--- a/CustomerUIDemo/Intent and Intent Filter instruction.pptx
+++ b/CustomerUIDemo/Intent and Intent Filter instruction.pptx
@@ -7042,14 +7042,14 @@
           <a:p>
             <a:pPr lvl="2"/>
             <a:r>
-              <a:rPr lang="en-US" altLang="zh-TW" smtClean="0"/>
+              <a:rPr lang="en-US" altLang="zh-TW" dirty="0" smtClean="0"/>
               <a:t>Activity</a:t>
             </a:r>
           </a:p>
           <a:p>
             <a:pPr lvl="3"/>
             <a:r>
-              <a:rPr lang="en-US" altLang="zh-TW" smtClean="0"/>
+              <a:rPr lang="en-US" altLang="zh-TW" dirty="0" err="1" smtClean="0"/>
               <a:t>com.flysnow.intent.ACTION_VIEW</a:t>
             </a:r>
             <a:r>

--- a/CustomerUIDemo/Intent and Intent Filter instruction.pptx
+++ b/CustomerUIDemo/Intent and Intent Filter instruction.pptx
@@ -5,7 +5,7 @@
     <p:sldMasterId id="2147483648" r:id="rId1"/>
   </p:sldMasterIdLst>
   <p:notesMasterIdLst>
-    <p:notesMasterId r:id="rId14"/>
+    <p:notesMasterId r:id="rId22"/>
   </p:notesMasterIdLst>
   <p:sldIdLst>
     <p:sldId id="256" r:id="rId2"/>
@@ -20,6 +20,14 @@
     <p:sldId id="267" r:id="rId11"/>
     <p:sldId id="265" r:id="rId12"/>
     <p:sldId id="266" r:id="rId13"/>
+    <p:sldId id="268" r:id="rId14"/>
+    <p:sldId id="269" r:id="rId15"/>
+    <p:sldId id="270" r:id="rId16"/>
+    <p:sldId id="271" r:id="rId17"/>
+    <p:sldId id="272" r:id="rId18"/>
+    <p:sldId id="273" r:id="rId19"/>
+    <p:sldId id="274" r:id="rId20"/>
+    <p:sldId id="275" r:id="rId21"/>
   </p:sldIdLst>
   <p:sldSz cx="9144000" cy="6858000" type="screen4x3"/>
   <p:notesSz cx="6858000" cy="9144000"/>
@@ -203,7 +211,7 @@
           <a:p>
             <a:fld id="{2D96362F-5062-4BAB-BE52-9DA3B8F016EF}" type="datetimeFigureOut">
               <a:rPr lang="zh-TW" altLang="en-US" smtClean="0"/>
-              <a:t>2015/11/9</a:t>
+              <a:t>2015/11/12</a:t>
             </a:fld>
             <a:endParaRPr lang="zh-TW" altLang="en-US"/>
           </a:p>
@@ -824,7 +832,7 @@
           <a:p>
             <a:fld id="{D27FAD71-AEBA-446B-9A9D-AD18527CBBFB}" type="datetimeFigureOut">
               <a:rPr lang="zh-TW" altLang="en-US" smtClean="0"/>
-              <a:t>2015/11/9</a:t>
+              <a:t>2015/11/12</a:t>
             </a:fld>
             <a:endParaRPr lang="zh-TW" altLang="en-US"/>
           </a:p>
@@ -994,7 +1002,7 @@
           <a:p>
             <a:fld id="{D27FAD71-AEBA-446B-9A9D-AD18527CBBFB}" type="datetimeFigureOut">
               <a:rPr lang="zh-TW" altLang="en-US" smtClean="0"/>
-              <a:t>2015/11/9</a:t>
+              <a:t>2015/11/12</a:t>
             </a:fld>
             <a:endParaRPr lang="zh-TW" altLang="en-US"/>
           </a:p>
@@ -1174,7 +1182,7 @@
           <a:p>
             <a:fld id="{D27FAD71-AEBA-446B-9A9D-AD18527CBBFB}" type="datetimeFigureOut">
               <a:rPr lang="zh-TW" altLang="en-US" smtClean="0"/>
-              <a:t>2015/11/9</a:t>
+              <a:t>2015/11/12</a:t>
             </a:fld>
             <a:endParaRPr lang="zh-TW" altLang="en-US"/>
           </a:p>
@@ -1344,7 +1352,7 @@
           <a:p>
             <a:fld id="{D27FAD71-AEBA-446B-9A9D-AD18527CBBFB}" type="datetimeFigureOut">
               <a:rPr lang="zh-TW" altLang="en-US" smtClean="0"/>
-              <a:t>2015/11/9</a:t>
+              <a:t>2015/11/12</a:t>
             </a:fld>
             <a:endParaRPr lang="zh-TW" altLang="en-US"/>
           </a:p>
@@ -1590,7 +1598,7 @@
           <a:p>
             <a:fld id="{D27FAD71-AEBA-446B-9A9D-AD18527CBBFB}" type="datetimeFigureOut">
               <a:rPr lang="zh-TW" altLang="en-US" smtClean="0"/>
-              <a:t>2015/11/9</a:t>
+              <a:t>2015/11/12</a:t>
             </a:fld>
             <a:endParaRPr lang="zh-TW" altLang="en-US"/>
           </a:p>
@@ -1878,7 +1886,7 @@
           <a:p>
             <a:fld id="{D27FAD71-AEBA-446B-9A9D-AD18527CBBFB}" type="datetimeFigureOut">
               <a:rPr lang="zh-TW" altLang="en-US" smtClean="0"/>
-              <a:t>2015/11/9</a:t>
+              <a:t>2015/11/12</a:t>
             </a:fld>
             <a:endParaRPr lang="zh-TW" altLang="en-US"/>
           </a:p>
@@ -2300,7 +2308,7 @@
           <a:p>
             <a:fld id="{D27FAD71-AEBA-446B-9A9D-AD18527CBBFB}" type="datetimeFigureOut">
               <a:rPr lang="zh-TW" altLang="en-US" smtClean="0"/>
-              <a:t>2015/11/9</a:t>
+              <a:t>2015/11/12</a:t>
             </a:fld>
             <a:endParaRPr lang="zh-TW" altLang="en-US"/>
           </a:p>
@@ -2418,7 +2426,7 @@
           <a:p>
             <a:fld id="{D27FAD71-AEBA-446B-9A9D-AD18527CBBFB}" type="datetimeFigureOut">
               <a:rPr lang="zh-TW" altLang="en-US" smtClean="0"/>
-              <a:t>2015/11/9</a:t>
+              <a:t>2015/11/12</a:t>
             </a:fld>
             <a:endParaRPr lang="zh-TW" altLang="en-US"/>
           </a:p>
@@ -2513,7 +2521,7 @@
           <a:p>
             <a:fld id="{D27FAD71-AEBA-446B-9A9D-AD18527CBBFB}" type="datetimeFigureOut">
               <a:rPr lang="zh-TW" altLang="en-US" smtClean="0"/>
-              <a:t>2015/11/9</a:t>
+              <a:t>2015/11/12</a:t>
             </a:fld>
             <a:endParaRPr lang="zh-TW" altLang="en-US"/>
           </a:p>
@@ -2790,7 +2798,7 @@
           <a:p>
             <a:fld id="{D27FAD71-AEBA-446B-9A9D-AD18527CBBFB}" type="datetimeFigureOut">
               <a:rPr lang="zh-TW" altLang="en-US" smtClean="0"/>
-              <a:t>2015/11/9</a:t>
+              <a:t>2015/11/12</a:t>
             </a:fld>
             <a:endParaRPr lang="zh-TW" altLang="en-US"/>
           </a:p>
@@ -3043,7 +3051,7 @@
           <a:p>
             <a:fld id="{D27FAD71-AEBA-446B-9A9D-AD18527CBBFB}" type="datetimeFigureOut">
               <a:rPr lang="zh-TW" altLang="en-US" smtClean="0"/>
-              <a:t>2015/11/9</a:t>
+              <a:t>2015/11/12</a:t>
             </a:fld>
             <a:endParaRPr lang="zh-TW" altLang="en-US"/>
           </a:p>
@@ -3256,7 +3264,7 @@
           <a:p>
             <a:fld id="{D27FAD71-AEBA-446B-9A9D-AD18527CBBFB}" type="datetimeFigureOut">
               <a:rPr lang="zh-TW" altLang="en-US" smtClean="0"/>
-              <a:t>2015/11/9</a:t>
+              <a:t>2015/11/12</a:t>
             </a:fld>
             <a:endParaRPr lang="zh-TW" altLang="en-US"/>
           </a:p>
@@ -3724,7 +3732,15 @@
             </a:r>
             <a:r>
               <a:rPr lang="en-US" altLang="zh-TW" dirty="0"/>
-              <a:t>Intent</a:t>
+              <a:t>Intent </a:t>
+            </a:r>
+            <a:r>
+              <a:rPr lang="en-US" altLang="zh-TW" dirty="0" smtClean="0"/>
+              <a:t>(</a:t>
+            </a:r>
+            <a:r>
+              <a:rPr lang="en-US" altLang="zh-TW" dirty="0"/>
+              <a:t>6/16)</a:t>
             </a:r>
             <a:endParaRPr lang="zh-TW" altLang="en-US" dirty="0"/>
           </a:p>
@@ -4256,7 +4272,15 @@
             </a:r>
             <a:r>
               <a:rPr lang="en-US" altLang="zh-TW" dirty="0"/>
-              <a:t>Intent</a:t>
+              <a:t>Intent </a:t>
+            </a:r>
+            <a:r>
+              <a:rPr lang="en-US" altLang="zh-TW" dirty="0" smtClean="0"/>
+              <a:t>(</a:t>
+            </a:r>
+            <a:r>
+              <a:rPr lang="en-US" altLang="zh-TW" dirty="0"/>
+              <a:t>7/16)</a:t>
             </a:r>
             <a:endParaRPr lang="zh-TW" altLang="en-US" dirty="0"/>
           </a:p>
@@ -4844,7 +4868,15 @@
             </a:r>
             <a:r>
               <a:rPr lang="en-US" altLang="zh-TW" dirty="0"/>
-              <a:t>Intent</a:t>
+              <a:t>Intent </a:t>
+            </a:r>
+            <a:r>
+              <a:rPr lang="en-US" altLang="zh-TW" dirty="0" smtClean="0"/>
+              <a:t>(</a:t>
+            </a:r>
+            <a:r>
+              <a:rPr lang="en-US" altLang="zh-TW" dirty="0"/>
+              <a:t>8/16)</a:t>
             </a:r>
             <a:endParaRPr lang="zh-TW" altLang="en-US" dirty="0"/>
           </a:p>
@@ -5159,6 +5191,4202 @@
 </p:sld>
 </file>
 
+<file path=ppt/slides/slide13.xml><?xml version="1.0" encoding="utf-8"?>
+<p:sld xmlns:a="http://schemas.openxmlformats.org/drawingml/2006/main" xmlns:r="http://schemas.openxmlformats.org/officeDocument/2006/relationships" xmlns:p="http://schemas.openxmlformats.org/presentationml/2006/main">
+  <p:cSld>
+    <p:spTree>
+      <p:nvGrpSpPr>
+        <p:cNvPr id="1" name=""/>
+        <p:cNvGrpSpPr/>
+        <p:nvPr/>
+      </p:nvGrpSpPr>
+      <p:grpSpPr>
+        <a:xfrm>
+          <a:off x="0" y="0"/>
+          <a:ext cx="0" cy="0"/>
+          <a:chOff x="0" y="0"/>
+          <a:chExt cx="0" cy="0"/>
+        </a:xfrm>
+      </p:grpSpPr>
+      <p:sp>
+        <p:nvSpPr>
+          <p:cNvPr id="2" name="標題 1"/>
+          <p:cNvSpPr>
+            <a:spLocks noGrp="1"/>
+          </p:cNvSpPr>
+          <p:nvPr>
+            <p:ph type="title"/>
+          </p:nvPr>
+        </p:nvSpPr>
+        <p:spPr/>
+        <p:txBody>
+          <a:bodyPr/>
+          <a:lstStyle/>
+          <a:p>
+            <a:r>
+              <a:rPr lang="zh-TW" altLang="en-US" dirty="0"/>
+              <a:t>隱式 </a:t>
+            </a:r>
+            <a:r>
+              <a:rPr lang="en-US" altLang="zh-TW" dirty="0" smtClean="0"/>
+              <a:t>Intent</a:t>
+            </a:r>
+            <a:r>
+              <a:rPr lang="en-US" altLang="zh-TW" dirty="0"/>
+              <a:t> </a:t>
+            </a:r>
+            <a:r>
+              <a:rPr lang="en-US" altLang="zh-TW" dirty="0" smtClean="0"/>
+              <a:t>(</a:t>
+            </a:r>
+            <a:r>
+              <a:rPr lang="en-US" altLang="zh-TW" dirty="0"/>
+              <a:t>9/16)</a:t>
+            </a:r>
+            <a:endParaRPr lang="zh-TW" altLang="en-US" dirty="0"/>
+          </a:p>
+        </p:txBody>
+      </p:sp>
+      <p:sp>
+        <p:nvSpPr>
+          <p:cNvPr id="3" name="內容版面配置區 2"/>
+          <p:cNvSpPr>
+            <a:spLocks noGrp="1"/>
+          </p:cNvSpPr>
+          <p:nvPr>
+            <p:ph idx="1"/>
+          </p:nvPr>
+        </p:nvSpPr>
+        <p:spPr/>
+        <p:txBody>
+          <a:bodyPr/>
+          <a:lstStyle/>
+          <a:p>
+            <a:r>
+              <a:rPr lang="en-US" altLang="zh-TW" dirty="0">
+                <a:latin typeface="+mn-ea"/>
+              </a:rPr>
+              <a:t>Intent Filter </a:t>
+            </a:r>
+            <a:r>
+              <a:rPr lang="en-US" altLang="zh-TW" dirty="0" smtClean="0">
+                <a:latin typeface="+mn-ea"/>
+              </a:rPr>
+              <a:t>範例3 </a:t>
+            </a:r>
+            <a:r>
+              <a:rPr lang="en-US" altLang="zh-TW" dirty="0">
+                <a:latin typeface="+mn-ea"/>
+              </a:rPr>
+              <a:t>(</a:t>
+            </a:r>
+            <a:r>
+              <a:rPr lang="en-US" altLang="zh-TW" dirty="0" smtClean="0">
+                <a:latin typeface="+mn-ea"/>
+              </a:rPr>
+              <a:t>1/3)</a:t>
+            </a:r>
+            <a:endParaRPr lang="en-US" altLang="zh-TW" dirty="0">
+              <a:latin typeface="+mn-ea"/>
+            </a:endParaRPr>
+          </a:p>
+          <a:p>
+            <a:pPr marL="0" indent="0">
+              <a:spcBef>
+                <a:spcPts val="0"/>
+              </a:spcBef>
+              <a:buNone/>
+            </a:pPr>
+            <a:r>
+              <a:rPr lang="en-US" altLang="zh-TW" dirty="0">
+                <a:latin typeface="+mn-ea"/>
+              </a:rPr>
+              <a:t>   </a:t>
+            </a:r>
+            <a:r>
+              <a:rPr lang="en-US" altLang="zh-TW" sz="1800" b="1" dirty="0">
+                <a:latin typeface="+mn-ea"/>
+              </a:rPr>
+              <a:t>(</a:t>
+            </a:r>
+            <a:r>
+              <a:rPr lang="en-US" altLang="zh-TW" sz="1800" b="1" dirty="0" err="1">
+                <a:latin typeface="+mn-ea"/>
+              </a:rPr>
+              <a:t>參考</a:t>
+            </a:r>
+            <a:r>
+              <a:rPr lang="en-US" altLang="zh-TW" sz="1800" b="1" dirty="0">
+                <a:latin typeface="+mn-ea"/>
+              </a:rPr>
+              <a:t> </a:t>
+            </a:r>
+            <a:r>
+              <a:rPr lang="en-US" altLang="zh-TW" sz="1800" b="1" dirty="0" err="1">
+                <a:latin typeface="+mn-ea"/>
+              </a:rPr>
+              <a:t>IntentFilterDemo</a:t>
+            </a:r>
+            <a:r>
+              <a:rPr lang="en-US" altLang="zh-TW" sz="1800" b="1" dirty="0">
+                <a:latin typeface="+mn-ea"/>
+              </a:rPr>
+              <a:t> 中 </a:t>
+            </a:r>
+            <a:r>
+              <a:rPr lang="en-US" altLang="zh-TW" sz="1800" b="1" dirty="0" smtClean="0">
+                <a:latin typeface="+mn-ea"/>
+              </a:rPr>
+              <a:t>IntentTest2Activtiy</a:t>
+            </a:r>
+            <a:r>
+              <a:rPr lang="en-US" altLang="zh-TW" sz="1800" b="1" dirty="0">
+                <a:latin typeface="+mn-ea"/>
+              </a:rPr>
+              <a:t>)</a:t>
+            </a:r>
+          </a:p>
+        </p:txBody>
+      </p:sp>
+      <p:pic>
+        <p:nvPicPr>
+          <p:cNvPr id="1026" name="Picture 2"/>
+          <p:cNvPicPr>
+            <a:picLocks noChangeAspect="1" noChangeArrowheads="1"/>
+          </p:cNvPicPr>
+          <p:nvPr/>
+        </p:nvPicPr>
+        <p:blipFill>
+          <a:blip r:embed="rId2">
+            <a:extLst>
+              <a:ext uri="{28A0092B-C50C-407E-A947-70E740481C1C}">
+                <a14:useLocalDpi xmlns:a14="http://schemas.microsoft.com/office/drawing/2010/main" val="0"/>
+              </a:ext>
+            </a:extLst>
+          </a:blip>
+          <a:srcRect/>
+          <a:stretch>
+            <a:fillRect/>
+          </a:stretch>
+        </p:blipFill>
+        <p:spPr bwMode="auto">
+          <a:xfrm>
+            <a:off x="290113" y="2780927"/>
+            <a:ext cx="6874175" cy="3601541"/>
+          </a:xfrm>
+          <a:prstGeom prst="rect">
+            <a:avLst/>
+          </a:prstGeom>
+          <a:noFill/>
+          <a:ln>
+            <a:noFill/>
+          </a:ln>
+          <a:extLst>
+            <a:ext uri="{909E8E84-426E-40DD-AFC4-6F175D3DCCD1}">
+              <a14:hiddenFill xmlns:a14="http://schemas.microsoft.com/office/drawing/2010/main">
+                <a:solidFill>
+                  <a:schemeClr val="accent1"/>
+                </a:solidFill>
+              </a14:hiddenFill>
+            </a:ext>
+            <a:ext uri="{91240B29-F687-4F45-9708-019B960494DF}">
+              <a14:hiddenLine xmlns:a14="http://schemas.microsoft.com/office/drawing/2010/main" w="9525">
+                <a:solidFill>
+                  <a:schemeClr val="tx1"/>
+                </a:solidFill>
+                <a:miter lim="800000"/>
+                <a:headEnd/>
+                <a:tailEnd/>
+              </a14:hiddenLine>
+            </a:ext>
+          </a:extLst>
+        </p:spPr>
+      </p:pic>
+      <p:sp>
+        <p:nvSpPr>
+          <p:cNvPr id="5" name="矩形 4"/>
+          <p:cNvSpPr/>
+          <p:nvPr/>
+        </p:nvSpPr>
+        <p:spPr>
+          <a:xfrm>
+            <a:off x="3203848" y="3760662"/>
+            <a:ext cx="2736304" cy="255607"/>
+          </a:xfrm>
+          <a:prstGeom prst="rect">
+            <a:avLst/>
+          </a:prstGeom>
+          <a:noFill/>
+          <a:ln>
+            <a:solidFill>
+              <a:srgbClr val="FF0000"/>
+            </a:solidFill>
+          </a:ln>
+        </p:spPr>
+        <p:style>
+          <a:lnRef idx="2">
+            <a:schemeClr val="accent1">
+              <a:shade val="50000"/>
+            </a:schemeClr>
+          </a:lnRef>
+          <a:fillRef idx="1">
+            <a:schemeClr val="accent1"/>
+          </a:fillRef>
+          <a:effectRef idx="0">
+            <a:schemeClr val="accent1"/>
+          </a:effectRef>
+          <a:fontRef idx="minor">
+            <a:schemeClr val="lt1"/>
+          </a:fontRef>
+        </p:style>
+        <p:txBody>
+          <a:bodyPr rtlCol="0" anchor="ctr"/>
+          <a:lstStyle/>
+          <a:p>
+            <a:pPr algn="ctr"/>
+            <a:endParaRPr lang="zh-TW" altLang="en-US"/>
+          </a:p>
+        </p:txBody>
+      </p:sp>
+      <p:sp>
+        <p:nvSpPr>
+          <p:cNvPr id="6" name="矩形 5"/>
+          <p:cNvSpPr/>
+          <p:nvPr/>
+        </p:nvSpPr>
+        <p:spPr>
+          <a:xfrm>
+            <a:off x="3347864" y="4117020"/>
+            <a:ext cx="3240360" cy="288032"/>
+          </a:xfrm>
+          <a:prstGeom prst="rect">
+            <a:avLst/>
+          </a:prstGeom>
+          <a:noFill/>
+          <a:ln>
+            <a:solidFill>
+              <a:srgbClr val="FF0000"/>
+            </a:solidFill>
+          </a:ln>
+        </p:spPr>
+        <p:style>
+          <a:lnRef idx="2">
+            <a:schemeClr val="accent1">
+              <a:shade val="50000"/>
+            </a:schemeClr>
+          </a:lnRef>
+          <a:fillRef idx="1">
+            <a:schemeClr val="accent1"/>
+          </a:fillRef>
+          <a:effectRef idx="0">
+            <a:schemeClr val="accent1"/>
+          </a:effectRef>
+          <a:fontRef idx="minor">
+            <a:schemeClr val="lt1"/>
+          </a:fontRef>
+        </p:style>
+        <p:txBody>
+          <a:bodyPr rtlCol="0" anchor="ctr"/>
+          <a:lstStyle/>
+          <a:p>
+            <a:pPr algn="ctr"/>
+            <a:endParaRPr lang="zh-TW" altLang="en-US"/>
+          </a:p>
+        </p:txBody>
+      </p:sp>
+      <p:sp>
+        <p:nvSpPr>
+          <p:cNvPr id="7" name="矩形 6"/>
+          <p:cNvSpPr/>
+          <p:nvPr/>
+        </p:nvSpPr>
+        <p:spPr>
+          <a:xfrm>
+            <a:off x="3347864" y="4509120"/>
+            <a:ext cx="3456384" cy="288032"/>
+          </a:xfrm>
+          <a:prstGeom prst="rect">
+            <a:avLst/>
+          </a:prstGeom>
+          <a:noFill/>
+          <a:ln>
+            <a:solidFill>
+              <a:srgbClr val="FF0000"/>
+            </a:solidFill>
+          </a:ln>
+        </p:spPr>
+        <p:style>
+          <a:lnRef idx="2">
+            <a:schemeClr val="accent1">
+              <a:shade val="50000"/>
+            </a:schemeClr>
+          </a:lnRef>
+          <a:fillRef idx="1">
+            <a:schemeClr val="accent1"/>
+          </a:fillRef>
+          <a:effectRef idx="0">
+            <a:schemeClr val="accent1"/>
+          </a:effectRef>
+          <a:fontRef idx="minor">
+            <a:schemeClr val="lt1"/>
+          </a:fontRef>
+        </p:style>
+        <p:txBody>
+          <a:bodyPr rtlCol="0" anchor="ctr"/>
+          <a:lstStyle/>
+          <a:p>
+            <a:pPr algn="ctr"/>
+            <a:endParaRPr lang="zh-TW" altLang="en-US"/>
+          </a:p>
+        </p:txBody>
+      </p:sp>
+      <p:sp>
+        <p:nvSpPr>
+          <p:cNvPr id="8" name="矩形圖說文字 7"/>
+          <p:cNvSpPr/>
+          <p:nvPr/>
+        </p:nvSpPr>
+        <p:spPr>
+          <a:xfrm>
+            <a:off x="5129610" y="3212976"/>
+            <a:ext cx="810542" cy="425740"/>
+          </a:xfrm>
+          <a:prstGeom prst="wedgeRectCallout">
+            <a:avLst>
+              <a:gd name="adj1" fmla="val -66074"/>
+              <a:gd name="adj2" fmla="val 74165"/>
+            </a:avLst>
+          </a:prstGeom>
+          <a:solidFill>
+            <a:schemeClr val="bg1"/>
+          </a:solidFill>
+          <a:ln>
+            <a:solidFill>
+              <a:srgbClr val="FF0000"/>
+            </a:solidFill>
+          </a:ln>
+        </p:spPr>
+        <p:style>
+          <a:lnRef idx="2">
+            <a:schemeClr val="accent1">
+              <a:shade val="50000"/>
+            </a:schemeClr>
+          </a:lnRef>
+          <a:fillRef idx="1">
+            <a:schemeClr val="accent1"/>
+          </a:fillRef>
+          <a:effectRef idx="0">
+            <a:schemeClr val="accent1"/>
+          </a:effectRef>
+          <a:fontRef idx="minor">
+            <a:schemeClr val="lt1"/>
+          </a:fontRef>
+        </p:style>
+        <p:txBody>
+          <a:bodyPr rtlCol="0" anchor="ctr"/>
+          <a:lstStyle/>
+          <a:p>
+            <a:r>
+              <a:rPr lang="zh-TW" altLang="en-US" dirty="0" smtClean="0">
+                <a:solidFill>
+                  <a:srgbClr val="FF0000"/>
+                </a:solidFill>
+              </a:rPr>
+              <a:t>區域</a:t>
+            </a:r>
+            <a:r>
+              <a:rPr lang="en-US" altLang="zh-TW" dirty="0" smtClean="0">
+                <a:solidFill>
+                  <a:srgbClr val="FF0000"/>
+                </a:solidFill>
+              </a:rPr>
+              <a:t>1</a:t>
+            </a:r>
+            <a:endParaRPr lang="zh-TW" altLang="en-US" dirty="0">
+              <a:solidFill>
+                <a:srgbClr val="FF0000"/>
+              </a:solidFill>
+            </a:endParaRPr>
+          </a:p>
+        </p:txBody>
+      </p:sp>
+      <p:sp>
+        <p:nvSpPr>
+          <p:cNvPr id="10" name="矩形圖說文字 9"/>
+          <p:cNvSpPr/>
+          <p:nvPr/>
+        </p:nvSpPr>
+        <p:spPr>
+          <a:xfrm>
+            <a:off x="6228185" y="4941168"/>
+            <a:ext cx="818864" cy="504056"/>
+          </a:xfrm>
+          <a:prstGeom prst="wedgeRectCallout">
+            <a:avLst>
+              <a:gd name="adj1" fmla="val -82425"/>
+              <a:gd name="adj2" fmla="val -68196"/>
+            </a:avLst>
+          </a:prstGeom>
+          <a:solidFill>
+            <a:schemeClr val="bg1"/>
+          </a:solidFill>
+          <a:ln>
+            <a:solidFill>
+              <a:srgbClr val="FF0000"/>
+            </a:solidFill>
+          </a:ln>
+        </p:spPr>
+        <p:style>
+          <a:lnRef idx="2">
+            <a:schemeClr val="accent1">
+              <a:shade val="50000"/>
+            </a:schemeClr>
+          </a:lnRef>
+          <a:fillRef idx="1">
+            <a:schemeClr val="accent1"/>
+          </a:fillRef>
+          <a:effectRef idx="0">
+            <a:schemeClr val="accent1"/>
+          </a:effectRef>
+          <a:fontRef idx="minor">
+            <a:schemeClr val="lt1"/>
+          </a:fontRef>
+        </p:style>
+        <p:txBody>
+          <a:bodyPr rtlCol="0" anchor="ctr"/>
+          <a:lstStyle/>
+          <a:p>
+            <a:pPr algn="ctr"/>
+            <a:r>
+              <a:rPr lang="zh-TW" altLang="en-US" dirty="0" smtClean="0">
+                <a:solidFill>
+                  <a:srgbClr val="FF0000"/>
+                </a:solidFill>
+              </a:rPr>
+              <a:t>區域</a:t>
+            </a:r>
+            <a:r>
+              <a:rPr lang="en-US" altLang="zh-TW" dirty="0" smtClean="0">
+                <a:solidFill>
+                  <a:srgbClr val="FF0000"/>
+                </a:solidFill>
+              </a:rPr>
+              <a:t>3</a:t>
+            </a:r>
+            <a:endParaRPr lang="zh-TW" altLang="en-US" dirty="0">
+              <a:solidFill>
+                <a:srgbClr val="FF0000"/>
+              </a:solidFill>
+            </a:endParaRPr>
+          </a:p>
+        </p:txBody>
+      </p:sp>
+      <p:sp>
+        <p:nvSpPr>
+          <p:cNvPr id="11" name="矩形 10"/>
+          <p:cNvSpPr/>
+          <p:nvPr/>
+        </p:nvSpPr>
+        <p:spPr>
+          <a:xfrm>
+            <a:off x="1475656" y="5191186"/>
+            <a:ext cx="2376264" cy="398054"/>
+          </a:xfrm>
+          <a:prstGeom prst="rect">
+            <a:avLst/>
+          </a:prstGeom>
+          <a:noFill/>
+          <a:ln>
+            <a:solidFill>
+              <a:srgbClr val="FF0000"/>
+            </a:solidFill>
+          </a:ln>
+        </p:spPr>
+        <p:style>
+          <a:lnRef idx="2">
+            <a:schemeClr val="accent1">
+              <a:shade val="50000"/>
+            </a:schemeClr>
+          </a:lnRef>
+          <a:fillRef idx="1">
+            <a:schemeClr val="accent1"/>
+          </a:fillRef>
+          <a:effectRef idx="0">
+            <a:schemeClr val="accent1"/>
+          </a:effectRef>
+          <a:fontRef idx="minor">
+            <a:schemeClr val="lt1"/>
+          </a:fontRef>
+        </p:style>
+        <p:txBody>
+          <a:bodyPr rtlCol="0" anchor="ctr"/>
+          <a:lstStyle/>
+          <a:p>
+            <a:pPr algn="ctr"/>
+            <a:endParaRPr lang="zh-TW" altLang="en-US"/>
+          </a:p>
+        </p:txBody>
+      </p:sp>
+      <p:sp>
+        <p:nvSpPr>
+          <p:cNvPr id="12" name="矩形圖說文字 11"/>
+          <p:cNvSpPr/>
+          <p:nvPr/>
+        </p:nvSpPr>
+        <p:spPr>
+          <a:xfrm>
+            <a:off x="4427985" y="5621587"/>
+            <a:ext cx="1008111" cy="504056"/>
+          </a:xfrm>
+          <a:prstGeom prst="wedgeRectCallout">
+            <a:avLst>
+              <a:gd name="adj1" fmla="val -94405"/>
+              <a:gd name="adj2" fmla="val -75042"/>
+            </a:avLst>
+          </a:prstGeom>
+          <a:solidFill>
+            <a:schemeClr val="bg1"/>
+          </a:solidFill>
+          <a:ln>
+            <a:solidFill>
+              <a:srgbClr val="FF0000"/>
+            </a:solidFill>
+          </a:ln>
+        </p:spPr>
+        <p:style>
+          <a:lnRef idx="2">
+            <a:schemeClr val="accent1">
+              <a:shade val="50000"/>
+            </a:schemeClr>
+          </a:lnRef>
+          <a:fillRef idx="1">
+            <a:schemeClr val="accent1"/>
+          </a:fillRef>
+          <a:effectRef idx="0">
+            <a:schemeClr val="accent1"/>
+          </a:effectRef>
+          <a:fontRef idx="minor">
+            <a:schemeClr val="lt1"/>
+          </a:fontRef>
+        </p:style>
+        <p:txBody>
+          <a:bodyPr rtlCol="0" anchor="ctr"/>
+          <a:lstStyle/>
+          <a:p>
+            <a:pPr algn="ctr"/>
+            <a:r>
+              <a:rPr lang="zh-TW" altLang="en-US" dirty="0" smtClean="0">
+                <a:solidFill>
+                  <a:srgbClr val="FF0000"/>
+                </a:solidFill>
+              </a:rPr>
+              <a:t>區域</a:t>
+            </a:r>
+            <a:r>
+              <a:rPr lang="en-US" altLang="zh-TW" dirty="0" smtClean="0">
+                <a:solidFill>
+                  <a:srgbClr val="FF0000"/>
+                </a:solidFill>
+              </a:rPr>
+              <a:t>4</a:t>
+            </a:r>
+            <a:endParaRPr lang="zh-TW" altLang="en-US" dirty="0">
+              <a:solidFill>
+                <a:srgbClr val="FF0000"/>
+              </a:solidFill>
+            </a:endParaRPr>
+          </a:p>
+        </p:txBody>
+      </p:sp>
+      <p:sp>
+        <p:nvSpPr>
+          <p:cNvPr id="13" name="矩形圖說文字 12"/>
+          <p:cNvSpPr/>
+          <p:nvPr/>
+        </p:nvSpPr>
+        <p:spPr>
+          <a:xfrm>
+            <a:off x="6641778" y="3723340"/>
+            <a:ext cx="810542" cy="425740"/>
+          </a:xfrm>
+          <a:prstGeom prst="wedgeRectCallout">
+            <a:avLst>
+              <a:gd name="adj1" fmla="val -50687"/>
+              <a:gd name="adj2" fmla="val 70113"/>
+            </a:avLst>
+          </a:prstGeom>
+          <a:solidFill>
+            <a:schemeClr val="bg1"/>
+          </a:solidFill>
+          <a:ln>
+            <a:solidFill>
+              <a:srgbClr val="FF0000"/>
+            </a:solidFill>
+          </a:ln>
+        </p:spPr>
+        <p:style>
+          <a:lnRef idx="2">
+            <a:schemeClr val="accent1">
+              <a:shade val="50000"/>
+            </a:schemeClr>
+          </a:lnRef>
+          <a:fillRef idx="1">
+            <a:schemeClr val="accent1"/>
+          </a:fillRef>
+          <a:effectRef idx="0">
+            <a:schemeClr val="accent1"/>
+          </a:effectRef>
+          <a:fontRef idx="minor">
+            <a:schemeClr val="lt1"/>
+          </a:fontRef>
+        </p:style>
+        <p:txBody>
+          <a:bodyPr rtlCol="0" anchor="ctr"/>
+          <a:lstStyle/>
+          <a:p>
+            <a:r>
+              <a:rPr lang="zh-TW" altLang="en-US" dirty="0" smtClean="0">
+                <a:solidFill>
+                  <a:srgbClr val="FF0000"/>
+                </a:solidFill>
+              </a:rPr>
+              <a:t>區域</a:t>
+            </a:r>
+            <a:r>
+              <a:rPr lang="en-US" altLang="zh-TW" dirty="0" smtClean="0">
+                <a:solidFill>
+                  <a:srgbClr val="FF0000"/>
+                </a:solidFill>
+              </a:rPr>
+              <a:t>2</a:t>
+            </a:r>
+            <a:endParaRPr lang="zh-TW" altLang="en-US" dirty="0">
+              <a:solidFill>
+                <a:srgbClr val="FF0000"/>
+              </a:solidFill>
+            </a:endParaRPr>
+          </a:p>
+        </p:txBody>
+      </p:sp>
+    </p:spTree>
+    <p:extLst>
+      <p:ext uri="{BB962C8B-B14F-4D97-AF65-F5344CB8AC3E}">
+        <p14:creationId xmlns:p14="http://schemas.microsoft.com/office/powerpoint/2010/main" val="365990538"/>
+      </p:ext>
+    </p:extLst>
+  </p:cSld>
+  <p:clrMapOvr>
+    <a:masterClrMapping/>
+  </p:clrMapOvr>
+</p:sld>
+</file>
+
+<file path=ppt/slides/slide14.xml><?xml version="1.0" encoding="utf-8"?>
+<p:sld xmlns:a="http://schemas.openxmlformats.org/drawingml/2006/main" xmlns:r="http://schemas.openxmlformats.org/officeDocument/2006/relationships" xmlns:p="http://schemas.openxmlformats.org/presentationml/2006/main">
+  <p:cSld>
+    <p:spTree>
+      <p:nvGrpSpPr>
+        <p:cNvPr id="1" name=""/>
+        <p:cNvGrpSpPr/>
+        <p:nvPr/>
+      </p:nvGrpSpPr>
+      <p:grpSpPr>
+        <a:xfrm>
+          <a:off x="0" y="0"/>
+          <a:ext cx="0" cy="0"/>
+          <a:chOff x="0" y="0"/>
+          <a:chExt cx="0" cy="0"/>
+        </a:xfrm>
+      </p:grpSpPr>
+      <p:sp>
+        <p:nvSpPr>
+          <p:cNvPr id="2" name="標題 1"/>
+          <p:cNvSpPr>
+            <a:spLocks noGrp="1"/>
+          </p:cNvSpPr>
+          <p:nvPr>
+            <p:ph type="title"/>
+          </p:nvPr>
+        </p:nvSpPr>
+        <p:spPr/>
+        <p:txBody>
+          <a:bodyPr/>
+          <a:lstStyle/>
+          <a:p>
+            <a:r>
+              <a:rPr lang="zh-TW" altLang="en-US" dirty="0"/>
+              <a:t>隱式 </a:t>
+            </a:r>
+            <a:r>
+              <a:rPr lang="en-US" altLang="zh-TW" dirty="0" smtClean="0"/>
+              <a:t>Intent</a:t>
+            </a:r>
+            <a:r>
+              <a:rPr lang="en-US" altLang="zh-TW" dirty="0"/>
+              <a:t> </a:t>
+            </a:r>
+            <a:r>
+              <a:rPr lang="en-US" altLang="zh-TW" dirty="0" smtClean="0"/>
+              <a:t>(</a:t>
+            </a:r>
+            <a:r>
+              <a:rPr lang="en-US" altLang="zh-TW" dirty="0"/>
+              <a:t>10/16)</a:t>
+            </a:r>
+            <a:endParaRPr lang="zh-TW" altLang="en-US" dirty="0"/>
+          </a:p>
+        </p:txBody>
+      </p:sp>
+      <p:sp>
+        <p:nvSpPr>
+          <p:cNvPr id="3" name="內容版面配置區 2"/>
+          <p:cNvSpPr>
+            <a:spLocks noGrp="1"/>
+          </p:cNvSpPr>
+          <p:nvPr>
+            <p:ph idx="1"/>
+          </p:nvPr>
+        </p:nvSpPr>
+        <p:spPr/>
+        <p:txBody>
+          <a:bodyPr/>
+          <a:lstStyle/>
+          <a:p>
+            <a:r>
+              <a:rPr lang="en-US" altLang="zh-TW" dirty="0">
+                <a:latin typeface="+mn-ea"/>
+              </a:rPr>
+              <a:t>Intent Filter 範例3 </a:t>
+            </a:r>
+            <a:r>
+              <a:rPr lang="en-US" altLang="zh-TW" dirty="0" smtClean="0">
+                <a:latin typeface="+mn-ea"/>
+              </a:rPr>
+              <a:t>(2/3)</a:t>
+            </a:r>
+            <a:endParaRPr lang="en-US" altLang="zh-TW" dirty="0">
+              <a:latin typeface="+mn-ea"/>
+            </a:endParaRPr>
+          </a:p>
+          <a:p>
+            <a:pPr lvl="1"/>
+            <a:r>
+              <a:rPr lang="zh-TW" altLang="en-US" dirty="0">
+                <a:solidFill>
+                  <a:srgbClr val="FF0000"/>
+                </a:solidFill>
+              </a:rPr>
+              <a:t>區域</a:t>
+            </a:r>
+            <a:r>
+              <a:rPr lang="en-US" altLang="zh-TW" dirty="0">
+                <a:solidFill>
+                  <a:srgbClr val="FF0000"/>
+                </a:solidFill>
+              </a:rPr>
+              <a:t>1: 參考範例</a:t>
+            </a:r>
+            <a:r>
+              <a:rPr lang="en-US" altLang="zh-TW" dirty="0" smtClean="0">
+                <a:solidFill>
+                  <a:srgbClr val="FF0000"/>
+                </a:solidFill>
+              </a:rPr>
+              <a:t>2的區域2說明 </a:t>
+            </a:r>
+            <a:endParaRPr lang="zh-TW" altLang="en-US" dirty="0">
+              <a:solidFill>
+                <a:srgbClr val="FF0000"/>
+              </a:solidFill>
+            </a:endParaRPr>
+          </a:p>
+          <a:p>
+            <a:pPr lvl="1"/>
+            <a:r>
+              <a:rPr lang="zh-TW" altLang="en-US" dirty="0" smtClean="0">
+                <a:solidFill>
+                  <a:srgbClr val="FF0000"/>
+                </a:solidFill>
+              </a:rPr>
+              <a:t>區域</a:t>
+            </a:r>
+            <a:r>
+              <a:rPr lang="en-US" altLang="zh-TW" dirty="0" smtClean="0">
+                <a:solidFill>
+                  <a:srgbClr val="FF0000"/>
+                </a:solidFill>
+              </a:rPr>
+              <a:t>2: 參考範例2的區域</a:t>
+            </a:r>
+            <a:r>
+              <a:rPr lang="en-US" altLang="zh-TW" dirty="0">
+                <a:solidFill>
+                  <a:srgbClr val="FF0000"/>
+                </a:solidFill>
+              </a:rPr>
+              <a:t>3</a:t>
+            </a:r>
+            <a:r>
+              <a:rPr lang="en-US" altLang="zh-TW" dirty="0" smtClean="0">
+                <a:solidFill>
+                  <a:srgbClr val="FF0000"/>
+                </a:solidFill>
+              </a:rPr>
+              <a:t>說明 </a:t>
+            </a:r>
+          </a:p>
+          <a:p>
+            <a:pPr lvl="1"/>
+            <a:r>
+              <a:rPr lang="zh-TW" altLang="en-US" dirty="0" smtClean="0">
+                <a:solidFill>
+                  <a:srgbClr val="FF0000"/>
+                </a:solidFill>
+              </a:rPr>
+              <a:t>區域</a:t>
+            </a:r>
+            <a:r>
+              <a:rPr lang="en-US" altLang="zh-TW" dirty="0" smtClean="0">
+                <a:solidFill>
+                  <a:srgbClr val="FF0000"/>
+                </a:solidFill>
+              </a:rPr>
+              <a:t>3:</a:t>
+            </a:r>
+          </a:p>
+          <a:p>
+            <a:pPr lvl="2"/>
+            <a:r>
+              <a:rPr lang="zh-TW" altLang="en-US" dirty="0" smtClean="0">
+                <a:solidFill>
+                  <a:srgbClr val="FF0000"/>
+                </a:solidFill>
+              </a:rPr>
+              <a:t>接收點擊網頁中的</a:t>
+            </a:r>
+            <a:r>
+              <a:rPr lang="en-US" altLang="zh-TW" dirty="0" smtClean="0">
+                <a:solidFill>
+                  <a:srgbClr val="FF0000"/>
+                </a:solidFill>
+              </a:rPr>
+              <a:t>URL</a:t>
+            </a:r>
+            <a:endParaRPr lang="zh-TW" altLang="en-US" dirty="0" smtClean="0">
+              <a:solidFill>
+                <a:srgbClr val="FF0000"/>
+              </a:solidFill>
+            </a:endParaRPr>
+          </a:p>
+          <a:p>
+            <a:pPr lvl="1"/>
+            <a:endParaRPr lang="zh-TW" altLang="en-US" dirty="0"/>
+          </a:p>
+        </p:txBody>
+      </p:sp>
+      <p:pic>
+        <p:nvPicPr>
+          <p:cNvPr id="2050" name="Picture 2"/>
+          <p:cNvPicPr>
+            <a:picLocks noChangeAspect="1" noChangeArrowheads="1"/>
+          </p:cNvPicPr>
+          <p:nvPr/>
+        </p:nvPicPr>
+        <p:blipFill>
+          <a:blip r:embed="rId2">
+            <a:extLst>
+              <a:ext uri="{28A0092B-C50C-407E-A947-70E740481C1C}">
+                <a14:useLocalDpi xmlns:a14="http://schemas.microsoft.com/office/drawing/2010/main" val="0"/>
+              </a:ext>
+            </a:extLst>
+          </a:blip>
+          <a:srcRect/>
+          <a:stretch>
+            <a:fillRect/>
+          </a:stretch>
+        </p:blipFill>
+        <p:spPr bwMode="auto">
+          <a:xfrm>
+            <a:off x="2483768" y="3403297"/>
+            <a:ext cx="6336704" cy="241727"/>
+          </a:xfrm>
+          <a:prstGeom prst="rect">
+            <a:avLst/>
+          </a:prstGeom>
+          <a:noFill/>
+          <a:ln>
+            <a:noFill/>
+          </a:ln>
+          <a:extLst>
+            <a:ext uri="{909E8E84-426E-40DD-AFC4-6F175D3DCCD1}">
+              <a14:hiddenFill xmlns:a14="http://schemas.microsoft.com/office/drawing/2010/main">
+                <a:solidFill>
+                  <a:schemeClr val="accent1"/>
+                </a:solidFill>
+              </a14:hiddenFill>
+            </a:ext>
+            <a:ext uri="{91240B29-F687-4F45-9708-019B960494DF}">
+              <a14:hiddenLine xmlns:a14="http://schemas.microsoft.com/office/drawing/2010/main" w="9525">
+                <a:solidFill>
+                  <a:schemeClr val="tx1"/>
+                </a:solidFill>
+                <a:miter lim="800000"/>
+                <a:headEnd/>
+                <a:tailEnd/>
+              </a14:hiddenLine>
+            </a:ext>
+          </a:extLst>
+        </p:spPr>
+      </p:pic>
+    </p:spTree>
+    <p:extLst>
+      <p:ext uri="{BB962C8B-B14F-4D97-AF65-F5344CB8AC3E}">
+        <p14:creationId xmlns:p14="http://schemas.microsoft.com/office/powerpoint/2010/main" val="95764266"/>
+      </p:ext>
+    </p:extLst>
+  </p:cSld>
+  <p:clrMapOvr>
+    <a:masterClrMapping/>
+  </p:clrMapOvr>
+</p:sld>
+</file>
+
+<file path=ppt/slides/slide15.xml><?xml version="1.0" encoding="utf-8"?>
+<p:sld xmlns:a="http://schemas.openxmlformats.org/drawingml/2006/main" xmlns:r="http://schemas.openxmlformats.org/officeDocument/2006/relationships" xmlns:p="http://schemas.openxmlformats.org/presentationml/2006/main">
+  <p:cSld>
+    <p:spTree>
+      <p:nvGrpSpPr>
+        <p:cNvPr id="1" name=""/>
+        <p:cNvGrpSpPr/>
+        <p:nvPr/>
+      </p:nvGrpSpPr>
+      <p:grpSpPr>
+        <a:xfrm>
+          <a:off x="0" y="0"/>
+          <a:ext cx="0" cy="0"/>
+          <a:chOff x="0" y="0"/>
+          <a:chExt cx="0" cy="0"/>
+        </a:xfrm>
+      </p:grpSpPr>
+      <p:sp>
+        <p:nvSpPr>
+          <p:cNvPr id="2" name="標題 1"/>
+          <p:cNvSpPr>
+            <a:spLocks noGrp="1"/>
+          </p:cNvSpPr>
+          <p:nvPr>
+            <p:ph type="title"/>
+          </p:nvPr>
+        </p:nvSpPr>
+        <p:spPr/>
+        <p:txBody>
+          <a:bodyPr/>
+          <a:lstStyle/>
+          <a:p>
+            <a:r>
+              <a:rPr lang="zh-TW" altLang="en-US" dirty="0"/>
+              <a:t>隱式 </a:t>
+            </a:r>
+            <a:r>
+              <a:rPr lang="en-US" altLang="zh-TW" dirty="0" smtClean="0"/>
+              <a:t>Intent</a:t>
+            </a:r>
+            <a:r>
+              <a:rPr lang="en-US" altLang="zh-TW" dirty="0"/>
+              <a:t> </a:t>
+            </a:r>
+            <a:r>
+              <a:rPr lang="en-US" altLang="zh-TW" dirty="0" smtClean="0"/>
+              <a:t>(</a:t>
+            </a:r>
+            <a:r>
+              <a:rPr lang="en-US" altLang="zh-TW" dirty="0"/>
+              <a:t>11/16)</a:t>
+            </a:r>
+            <a:endParaRPr lang="zh-TW" altLang="en-US" dirty="0"/>
+          </a:p>
+        </p:txBody>
+      </p:sp>
+      <p:sp>
+        <p:nvSpPr>
+          <p:cNvPr id="3" name="內容版面配置區 2"/>
+          <p:cNvSpPr>
+            <a:spLocks noGrp="1"/>
+          </p:cNvSpPr>
+          <p:nvPr>
+            <p:ph idx="1"/>
+          </p:nvPr>
+        </p:nvSpPr>
+        <p:spPr/>
+        <p:txBody>
+          <a:bodyPr/>
+          <a:lstStyle/>
+          <a:p>
+            <a:r>
+              <a:rPr lang="en-US" altLang="zh-TW" dirty="0">
+                <a:latin typeface="+mn-ea"/>
+              </a:rPr>
+              <a:t>Intent Filter 範例3 </a:t>
+            </a:r>
+            <a:r>
+              <a:rPr lang="en-US" altLang="zh-TW" dirty="0" smtClean="0">
+                <a:latin typeface="+mn-ea"/>
+              </a:rPr>
+              <a:t>(3/3)</a:t>
+            </a:r>
+            <a:endParaRPr lang="en-US" altLang="zh-TW" dirty="0">
+              <a:latin typeface="+mn-ea"/>
+            </a:endParaRPr>
+          </a:p>
+          <a:p>
+            <a:pPr lvl="1"/>
+            <a:r>
+              <a:rPr lang="zh-TW" altLang="en-US" dirty="0" smtClean="0">
+                <a:solidFill>
+                  <a:srgbClr val="FF0000"/>
+                </a:solidFill>
+              </a:rPr>
+              <a:t>區域</a:t>
+            </a:r>
+            <a:r>
+              <a:rPr lang="en-US" altLang="zh-TW" dirty="0" smtClean="0">
+                <a:solidFill>
+                  <a:srgbClr val="FF0000"/>
+                </a:solidFill>
+              </a:rPr>
+              <a:t>4:</a:t>
+            </a:r>
+          </a:p>
+          <a:p>
+            <a:pPr lvl="2"/>
+            <a:endParaRPr lang="en-US" altLang="zh-TW" dirty="0" smtClean="0">
+              <a:solidFill>
+                <a:srgbClr val="FF0000"/>
+              </a:solidFill>
+            </a:endParaRPr>
+          </a:p>
+          <a:p>
+            <a:pPr lvl="2"/>
+            <a:endParaRPr lang="en-US" altLang="zh-TW" dirty="0" smtClean="0">
+              <a:solidFill>
+                <a:srgbClr val="FF0000"/>
+              </a:solidFill>
+            </a:endParaRPr>
+          </a:p>
+          <a:p>
+            <a:pPr lvl="2"/>
+            <a:endParaRPr lang="en-US" altLang="zh-TW" dirty="0">
+              <a:solidFill>
+                <a:srgbClr val="FF0000"/>
+              </a:solidFill>
+            </a:endParaRPr>
+          </a:p>
+          <a:p>
+            <a:pPr lvl="2"/>
+            <a:endParaRPr lang="en-US" altLang="zh-TW" dirty="0">
+              <a:solidFill>
+                <a:srgbClr val="FF0000"/>
+              </a:solidFill>
+            </a:endParaRPr>
+          </a:p>
+          <a:p>
+            <a:pPr lvl="1"/>
+            <a:endParaRPr lang="zh-TW" altLang="en-US" dirty="0"/>
+          </a:p>
+        </p:txBody>
+      </p:sp>
+      <p:pic>
+        <p:nvPicPr>
+          <p:cNvPr id="3074" name="Picture 2"/>
+          <p:cNvPicPr>
+            <a:picLocks noChangeAspect="1" noChangeArrowheads="1"/>
+          </p:cNvPicPr>
+          <p:nvPr/>
+        </p:nvPicPr>
+        <p:blipFill>
+          <a:blip r:embed="rId2">
+            <a:extLst>
+              <a:ext uri="{28A0092B-C50C-407E-A947-70E740481C1C}">
+                <a14:useLocalDpi xmlns:a14="http://schemas.microsoft.com/office/drawing/2010/main" val="0"/>
+              </a:ext>
+            </a:extLst>
+          </a:blip>
+          <a:srcRect/>
+          <a:stretch>
+            <a:fillRect/>
+          </a:stretch>
+        </p:blipFill>
+        <p:spPr bwMode="auto">
+          <a:xfrm>
+            <a:off x="1475656" y="3244517"/>
+            <a:ext cx="3024336" cy="616531"/>
+          </a:xfrm>
+          <a:prstGeom prst="rect">
+            <a:avLst/>
+          </a:prstGeom>
+          <a:noFill/>
+          <a:ln>
+            <a:noFill/>
+          </a:ln>
+          <a:extLst>
+            <a:ext uri="{909E8E84-426E-40DD-AFC4-6F175D3DCCD1}">
+              <a14:hiddenFill xmlns:a14="http://schemas.microsoft.com/office/drawing/2010/main">
+                <a:solidFill>
+                  <a:schemeClr val="accent1"/>
+                </a:solidFill>
+              </a14:hiddenFill>
+            </a:ext>
+            <a:ext uri="{91240B29-F687-4F45-9708-019B960494DF}">
+              <a14:hiddenLine xmlns:a14="http://schemas.microsoft.com/office/drawing/2010/main" w="9525">
+                <a:solidFill>
+                  <a:schemeClr val="tx1"/>
+                </a:solidFill>
+                <a:miter lim="800000"/>
+                <a:headEnd/>
+                <a:tailEnd/>
+              </a14:hiddenLine>
+            </a:ext>
+          </a:extLst>
+        </p:spPr>
+      </p:pic>
+      <p:pic>
+        <p:nvPicPr>
+          <p:cNvPr id="3075" name="Picture 3"/>
+          <p:cNvPicPr>
+            <a:picLocks noChangeAspect="1" noChangeArrowheads="1"/>
+          </p:cNvPicPr>
+          <p:nvPr/>
+        </p:nvPicPr>
+        <p:blipFill>
+          <a:blip r:embed="rId3">
+            <a:extLst>
+              <a:ext uri="{28A0092B-C50C-407E-A947-70E740481C1C}">
+                <a14:useLocalDpi xmlns:a14="http://schemas.microsoft.com/office/drawing/2010/main" val="0"/>
+              </a:ext>
+            </a:extLst>
+          </a:blip>
+          <a:srcRect/>
+          <a:stretch>
+            <a:fillRect/>
+          </a:stretch>
+        </p:blipFill>
+        <p:spPr bwMode="auto">
+          <a:xfrm>
+            <a:off x="667530" y="2708618"/>
+            <a:ext cx="8008925" cy="236454"/>
+          </a:xfrm>
+          <a:prstGeom prst="rect">
+            <a:avLst/>
+          </a:prstGeom>
+          <a:noFill/>
+          <a:ln>
+            <a:noFill/>
+          </a:ln>
+          <a:extLst>
+            <a:ext uri="{909E8E84-426E-40DD-AFC4-6F175D3DCCD1}">
+              <a14:hiddenFill xmlns:a14="http://schemas.microsoft.com/office/drawing/2010/main">
+                <a:solidFill>
+                  <a:schemeClr val="accent1"/>
+                </a:solidFill>
+              </a14:hiddenFill>
+            </a:ext>
+            <a:ext uri="{91240B29-F687-4F45-9708-019B960494DF}">
+              <a14:hiddenLine xmlns:a14="http://schemas.microsoft.com/office/drawing/2010/main" w="9525">
+                <a:solidFill>
+                  <a:schemeClr val="tx1"/>
+                </a:solidFill>
+                <a:miter lim="800000"/>
+                <a:headEnd/>
+                <a:tailEnd/>
+              </a14:hiddenLine>
+            </a:ext>
+          </a:extLst>
+        </p:spPr>
+      </p:pic>
+      <p:sp>
+        <p:nvSpPr>
+          <p:cNvPr id="6" name="矩形 5"/>
+          <p:cNvSpPr/>
+          <p:nvPr/>
+        </p:nvSpPr>
+        <p:spPr>
+          <a:xfrm>
+            <a:off x="3347864" y="3479943"/>
+            <a:ext cx="792088" cy="127804"/>
+          </a:xfrm>
+          <a:prstGeom prst="rect">
+            <a:avLst/>
+          </a:prstGeom>
+          <a:noFill/>
+          <a:ln>
+            <a:solidFill>
+              <a:srgbClr val="FF0000"/>
+            </a:solidFill>
+          </a:ln>
+        </p:spPr>
+        <p:style>
+          <a:lnRef idx="2">
+            <a:schemeClr val="accent1">
+              <a:shade val="50000"/>
+            </a:schemeClr>
+          </a:lnRef>
+          <a:fillRef idx="1">
+            <a:schemeClr val="accent1"/>
+          </a:fillRef>
+          <a:effectRef idx="0">
+            <a:schemeClr val="accent1"/>
+          </a:effectRef>
+          <a:fontRef idx="minor">
+            <a:schemeClr val="lt1"/>
+          </a:fontRef>
+        </p:style>
+        <p:txBody>
+          <a:bodyPr rtlCol="0" anchor="ctr"/>
+          <a:lstStyle/>
+          <a:p>
+            <a:pPr algn="ctr"/>
+            <a:endParaRPr lang="zh-TW" altLang="en-US"/>
+          </a:p>
+        </p:txBody>
+      </p:sp>
+      <p:sp>
+        <p:nvSpPr>
+          <p:cNvPr id="7" name="矩形 6"/>
+          <p:cNvSpPr/>
+          <p:nvPr/>
+        </p:nvSpPr>
+        <p:spPr>
+          <a:xfrm>
+            <a:off x="3203848" y="3677449"/>
+            <a:ext cx="1080120" cy="183599"/>
+          </a:xfrm>
+          <a:prstGeom prst="rect">
+            <a:avLst/>
+          </a:prstGeom>
+          <a:noFill/>
+          <a:ln>
+            <a:solidFill>
+              <a:srgbClr val="FF0000"/>
+            </a:solidFill>
+          </a:ln>
+        </p:spPr>
+        <p:style>
+          <a:lnRef idx="2">
+            <a:schemeClr val="accent1">
+              <a:shade val="50000"/>
+            </a:schemeClr>
+          </a:lnRef>
+          <a:fillRef idx="1">
+            <a:schemeClr val="accent1"/>
+          </a:fillRef>
+          <a:effectRef idx="0">
+            <a:schemeClr val="accent1"/>
+          </a:effectRef>
+          <a:fontRef idx="minor">
+            <a:schemeClr val="lt1"/>
+          </a:fontRef>
+        </p:style>
+        <p:txBody>
+          <a:bodyPr rtlCol="0" anchor="ctr"/>
+          <a:lstStyle/>
+          <a:p>
+            <a:pPr algn="ctr"/>
+            <a:endParaRPr lang="zh-TW" altLang="en-US"/>
+          </a:p>
+        </p:txBody>
+      </p:sp>
+      <p:sp>
+        <p:nvSpPr>
+          <p:cNvPr id="8" name="矩形 7"/>
+          <p:cNvSpPr/>
+          <p:nvPr/>
+        </p:nvSpPr>
+        <p:spPr>
+          <a:xfrm>
+            <a:off x="1403648" y="2687887"/>
+            <a:ext cx="576064" cy="255607"/>
+          </a:xfrm>
+          <a:prstGeom prst="rect">
+            <a:avLst/>
+          </a:prstGeom>
+          <a:noFill/>
+          <a:ln>
+            <a:solidFill>
+              <a:srgbClr val="FF0000"/>
+            </a:solidFill>
+          </a:ln>
+        </p:spPr>
+        <p:style>
+          <a:lnRef idx="2">
+            <a:schemeClr val="accent1">
+              <a:shade val="50000"/>
+            </a:schemeClr>
+          </a:lnRef>
+          <a:fillRef idx="1">
+            <a:schemeClr val="accent1"/>
+          </a:fillRef>
+          <a:effectRef idx="0">
+            <a:schemeClr val="accent1"/>
+          </a:effectRef>
+          <a:fontRef idx="minor">
+            <a:schemeClr val="lt1"/>
+          </a:fontRef>
+        </p:style>
+        <p:txBody>
+          <a:bodyPr rtlCol="0" anchor="ctr"/>
+          <a:lstStyle/>
+          <a:p>
+            <a:pPr algn="ctr"/>
+            <a:endParaRPr lang="zh-TW" altLang="en-US"/>
+          </a:p>
+        </p:txBody>
+      </p:sp>
+      <p:sp>
+        <p:nvSpPr>
+          <p:cNvPr id="9" name="矩形 8"/>
+          <p:cNvSpPr/>
+          <p:nvPr/>
+        </p:nvSpPr>
+        <p:spPr>
+          <a:xfrm>
+            <a:off x="2195736" y="2699041"/>
+            <a:ext cx="936104" cy="255607"/>
+          </a:xfrm>
+          <a:prstGeom prst="rect">
+            <a:avLst/>
+          </a:prstGeom>
+          <a:noFill/>
+          <a:ln>
+            <a:solidFill>
+              <a:srgbClr val="FF0000"/>
+            </a:solidFill>
+          </a:ln>
+        </p:spPr>
+        <p:style>
+          <a:lnRef idx="2">
+            <a:schemeClr val="accent1">
+              <a:shade val="50000"/>
+            </a:schemeClr>
+          </a:lnRef>
+          <a:fillRef idx="1">
+            <a:schemeClr val="accent1"/>
+          </a:fillRef>
+          <a:effectRef idx="0">
+            <a:schemeClr val="accent1"/>
+          </a:effectRef>
+          <a:fontRef idx="minor">
+            <a:schemeClr val="lt1"/>
+          </a:fontRef>
+        </p:style>
+        <p:txBody>
+          <a:bodyPr rtlCol="0" anchor="ctr"/>
+          <a:lstStyle/>
+          <a:p>
+            <a:pPr algn="ctr"/>
+            <a:endParaRPr lang="zh-TW" altLang="en-US"/>
+          </a:p>
+        </p:txBody>
+      </p:sp>
+      <p:cxnSp>
+        <p:nvCxnSpPr>
+          <p:cNvPr id="5" name="肘形接點 4"/>
+          <p:cNvCxnSpPr>
+            <a:stCxn id="8" idx="1"/>
+            <a:endCxn id="6" idx="0"/>
+          </p:cNvCxnSpPr>
+          <p:nvPr/>
+        </p:nvCxnSpPr>
+        <p:spPr>
+          <a:xfrm rot="10800000" flipH="1" flipV="1">
+            <a:off x="1403648" y="2815691"/>
+            <a:ext cx="2340260" cy="664252"/>
+          </a:xfrm>
+          <a:prstGeom prst="bentConnector4">
+            <a:avLst>
+              <a:gd name="adj1" fmla="val -9768"/>
+              <a:gd name="adj2" fmla="val 59620"/>
+            </a:avLst>
+          </a:prstGeom>
+          <a:ln w="38100">
+            <a:solidFill>
+              <a:srgbClr val="FF0000"/>
+            </a:solidFill>
+            <a:tailEnd type="arrow"/>
+          </a:ln>
+        </p:spPr>
+        <p:style>
+          <a:lnRef idx="1">
+            <a:schemeClr val="accent1"/>
+          </a:lnRef>
+          <a:fillRef idx="0">
+            <a:schemeClr val="accent1"/>
+          </a:fillRef>
+          <a:effectRef idx="0">
+            <a:schemeClr val="accent1"/>
+          </a:effectRef>
+          <a:fontRef idx="minor">
+            <a:schemeClr val="tx1"/>
+          </a:fontRef>
+        </p:style>
+      </p:cxnSp>
+      <p:cxnSp>
+        <p:nvCxnSpPr>
+          <p:cNvPr id="11" name="肘形接點 10"/>
+          <p:cNvCxnSpPr>
+            <a:stCxn id="9" idx="0"/>
+            <a:endCxn id="7" idx="3"/>
+          </p:cNvCxnSpPr>
+          <p:nvPr/>
+        </p:nvCxnSpPr>
+        <p:spPr>
+          <a:xfrm rot="16200000" flipH="1">
+            <a:off x="2938774" y="2424055"/>
+            <a:ext cx="1070208" cy="1620180"/>
+          </a:xfrm>
+          <a:prstGeom prst="bentConnector4">
+            <a:avLst>
+              <a:gd name="adj1" fmla="val -21360"/>
+              <a:gd name="adj2" fmla="val 114110"/>
+            </a:avLst>
+          </a:prstGeom>
+          <a:ln w="38100">
+            <a:solidFill>
+              <a:srgbClr val="FF0000"/>
+            </a:solidFill>
+            <a:tailEnd type="arrow"/>
+          </a:ln>
+        </p:spPr>
+        <p:style>
+          <a:lnRef idx="1">
+            <a:schemeClr val="accent1"/>
+          </a:lnRef>
+          <a:fillRef idx="0">
+            <a:schemeClr val="accent1"/>
+          </a:fillRef>
+          <a:effectRef idx="0">
+            <a:schemeClr val="accent1"/>
+          </a:effectRef>
+          <a:fontRef idx="minor">
+            <a:schemeClr val="tx1"/>
+          </a:fontRef>
+        </p:style>
+      </p:cxnSp>
+    </p:spTree>
+    <p:extLst>
+      <p:ext uri="{BB962C8B-B14F-4D97-AF65-F5344CB8AC3E}">
+        <p14:creationId xmlns:p14="http://schemas.microsoft.com/office/powerpoint/2010/main" val="183224867"/>
+      </p:ext>
+    </p:extLst>
+  </p:cSld>
+  <p:clrMapOvr>
+    <a:masterClrMapping/>
+  </p:clrMapOvr>
+</p:sld>
+</file>
+
+<file path=ppt/slides/slide16.xml><?xml version="1.0" encoding="utf-8"?>
+<p:sld xmlns:a="http://schemas.openxmlformats.org/drawingml/2006/main" xmlns:r="http://schemas.openxmlformats.org/officeDocument/2006/relationships" xmlns:p="http://schemas.openxmlformats.org/presentationml/2006/main">
+  <p:cSld>
+    <p:spTree>
+      <p:nvGrpSpPr>
+        <p:cNvPr id="1" name=""/>
+        <p:cNvGrpSpPr/>
+        <p:nvPr/>
+      </p:nvGrpSpPr>
+      <p:grpSpPr>
+        <a:xfrm>
+          <a:off x="0" y="0"/>
+          <a:ext cx="0" cy="0"/>
+          <a:chOff x="0" y="0"/>
+          <a:chExt cx="0" cy="0"/>
+        </a:xfrm>
+      </p:grpSpPr>
+      <p:sp>
+        <p:nvSpPr>
+          <p:cNvPr id="2" name="標題 1"/>
+          <p:cNvSpPr>
+            <a:spLocks noGrp="1"/>
+          </p:cNvSpPr>
+          <p:nvPr>
+            <p:ph type="title"/>
+          </p:nvPr>
+        </p:nvSpPr>
+        <p:spPr/>
+        <p:txBody>
+          <a:bodyPr/>
+          <a:lstStyle/>
+          <a:p>
+            <a:r>
+              <a:rPr lang="zh-TW" altLang="en-US" dirty="0"/>
+              <a:t>隱式 </a:t>
+            </a:r>
+            <a:r>
+              <a:rPr lang="en-US" altLang="zh-TW" dirty="0" smtClean="0"/>
+              <a:t>Intent</a:t>
+            </a:r>
+            <a:r>
+              <a:rPr lang="en-US" altLang="zh-TW" dirty="0"/>
+              <a:t> </a:t>
+            </a:r>
+            <a:r>
+              <a:rPr lang="en-US" altLang="zh-TW" dirty="0" smtClean="0"/>
+              <a:t>(</a:t>
+            </a:r>
+            <a:r>
+              <a:rPr lang="en-US" altLang="zh-TW" dirty="0"/>
+              <a:t>12/16)</a:t>
+            </a:r>
+            <a:endParaRPr lang="zh-TW" altLang="en-US" dirty="0"/>
+          </a:p>
+        </p:txBody>
+      </p:sp>
+      <p:sp>
+        <p:nvSpPr>
+          <p:cNvPr id="3" name="內容版面配置區 2"/>
+          <p:cNvSpPr>
+            <a:spLocks noGrp="1"/>
+          </p:cNvSpPr>
+          <p:nvPr>
+            <p:ph idx="1"/>
+          </p:nvPr>
+        </p:nvSpPr>
+        <p:spPr/>
+        <p:txBody>
+          <a:bodyPr/>
+          <a:lstStyle/>
+          <a:p>
+            <a:r>
+              <a:rPr lang="en-US" altLang="zh-TW" dirty="0">
+                <a:latin typeface="+mn-ea"/>
+              </a:rPr>
+              <a:t>Intent Filter </a:t>
+            </a:r>
+            <a:r>
+              <a:rPr lang="en-US" altLang="zh-TW" dirty="0" smtClean="0">
+                <a:latin typeface="+mn-ea"/>
+              </a:rPr>
+              <a:t>範例4 </a:t>
+            </a:r>
+            <a:r>
+              <a:rPr lang="en-US" altLang="zh-TW" dirty="0">
+                <a:latin typeface="+mn-ea"/>
+              </a:rPr>
+              <a:t>(</a:t>
+            </a:r>
+            <a:r>
+              <a:rPr lang="en-US" altLang="zh-TW" dirty="0" smtClean="0">
+                <a:latin typeface="+mn-ea"/>
+              </a:rPr>
+              <a:t>1/4)</a:t>
+            </a:r>
+            <a:endParaRPr lang="en-US" altLang="zh-TW" dirty="0">
+              <a:latin typeface="+mn-ea"/>
+            </a:endParaRPr>
+          </a:p>
+          <a:p>
+            <a:pPr marL="0" indent="0">
+              <a:spcBef>
+                <a:spcPts val="0"/>
+              </a:spcBef>
+              <a:buNone/>
+            </a:pPr>
+            <a:r>
+              <a:rPr lang="en-US" altLang="zh-TW" dirty="0">
+                <a:latin typeface="+mn-ea"/>
+              </a:rPr>
+              <a:t>   </a:t>
+            </a:r>
+            <a:r>
+              <a:rPr lang="en-US" altLang="zh-TW" sz="1800" b="1" dirty="0">
+                <a:latin typeface="+mn-ea"/>
+              </a:rPr>
+              <a:t>(</a:t>
+            </a:r>
+            <a:r>
+              <a:rPr lang="en-US" altLang="zh-TW" sz="1800" b="1" dirty="0" err="1">
+                <a:latin typeface="+mn-ea"/>
+              </a:rPr>
+              <a:t>參考</a:t>
+            </a:r>
+            <a:r>
+              <a:rPr lang="en-US" altLang="zh-TW" sz="1800" b="1" dirty="0">
+                <a:latin typeface="+mn-ea"/>
+              </a:rPr>
+              <a:t> </a:t>
+            </a:r>
+            <a:r>
+              <a:rPr lang="en-US" altLang="zh-TW" sz="1800" b="1" dirty="0" err="1">
+                <a:latin typeface="+mn-ea"/>
+              </a:rPr>
+              <a:t>IntentFilterDemo</a:t>
+            </a:r>
+            <a:r>
+              <a:rPr lang="en-US" altLang="zh-TW" sz="1800" b="1" dirty="0">
+                <a:latin typeface="+mn-ea"/>
+              </a:rPr>
+              <a:t> 中 </a:t>
+            </a:r>
+            <a:r>
+              <a:rPr lang="en-US" altLang="zh-TW" sz="1800" b="1" dirty="0" smtClean="0">
+                <a:latin typeface="+mn-ea"/>
+              </a:rPr>
+              <a:t>IntentTest2Activtiy</a:t>
+            </a:r>
+            <a:r>
+              <a:rPr lang="en-US" altLang="zh-TW" sz="1800" b="1" dirty="0">
+                <a:latin typeface="+mn-ea"/>
+              </a:rPr>
+              <a:t>)</a:t>
+            </a:r>
+          </a:p>
+          <a:p>
+            <a:endParaRPr lang="zh-TW" altLang="en-US" dirty="0"/>
+          </a:p>
+        </p:txBody>
+      </p:sp>
+      <p:pic>
+        <p:nvPicPr>
+          <p:cNvPr id="4098" name="Picture 2"/>
+          <p:cNvPicPr>
+            <a:picLocks noChangeAspect="1" noChangeArrowheads="1"/>
+          </p:cNvPicPr>
+          <p:nvPr/>
+        </p:nvPicPr>
+        <p:blipFill>
+          <a:blip r:embed="rId2">
+            <a:extLst>
+              <a:ext uri="{28A0092B-C50C-407E-A947-70E740481C1C}">
+                <a14:useLocalDpi xmlns:a14="http://schemas.microsoft.com/office/drawing/2010/main" val="0"/>
+              </a:ext>
+            </a:extLst>
+          </a:blip>
+          <a:srcRect/>
+          <a:stretch>
+            <a:fillRect/>
+          </a:stretch>
+        </p:blipFill>
+        <p:spPr bwMode="auto">
+          <a:xfrm>
+            <a:off x="179512" y="2636912"/>
+            <a:ext cx="6928180" cy="3834203"/>
+          </a:xfrm>
+          <a:prstGeom prst="rect">
+            <a:avLst/>
+          </a:prstGeom>
+          <a:noFill/>
+          <a:ln>
+            <a:noFill/>
+          </a:ln>
+          <a:extLst>
+            <a:ext uri="{909E8E84-426E-40DD-AFC4-6F175D3DCCD1}">
+              <a14:hiddenFill xmlns:a14="http://schemas.microsoft.com/office/drawing/2010/main">
+                <a:solidFill>
+                  <a:schemeClr val="accent1"/>
+                </a:solidFill>
+              </a14:hiddenFill>
+            </a:ext>
+            <a:ext uri="{91240B29-F687-4F45-9708-019B960494DF}">
+              <a14:hiddenLine xmlns:a14="http://schemas.microsoft.com/office/drawing/2010/main" w="9525">
+                <a:solidFill>
+                  <a:schemeClr val="tx1"/>
+                </a:solidFill>
+                <a:miter lim="800000"/>
+                <a:headEnd/>
+                <a:tailEnd/>
+              </a14:hiddenLine>
+            </a:ext>
+          </a:extLst>
+        </p:spPr>
+      </p:pic>
+      <p:sp>
+        <p:nvSpPr>
+          <p:cNvPr id="5" name="矩形 4"/>
+          <p:cNvSpPr/>
+          <p:nvPr/>
+        </p:nvSpPr>
+        <p:spPr>
+          <a:xfrm>
+            <a:off x="3275856" y="3688654"/>
+            <a:ext cx="2736304" cy="255607"/>
+          </a:xfrm>
+          <a:prstGeom prst="rect">
+            <a:avLst/>
+          </a:prstGeom>
+          <a:noFill/>
+          <a:ln>
+            <a:solidFill>
+              <a:srgbClr val="FF0000"/>
+            </a:solidFill>
+          </a:ln>
+        </p:spPr>
+        <p:style>
+          <a:lnRef idx="2">
+            <a:schemeClr val="accent1">
+              <a:shade val="50000"/>
+            </a:schemeClr>
+          </a:lnRef>
+          <a:fillRef idx="1">
+            <a:schemeClr val="accent1"/>
+          </a:fillRef>
+          <a:effectRef idx="0">
+            <a:schemeClr val="accent1"/>
+          </a:effectRef>
+          <a:fontRef idx="minor">
+            <a:schemeClr val="lt1"/>
+          </a:fontRef>
+        </p:style>
+        <p:txBody>
+          <a:bodyPr rtlCol="0" anchor="ctr"/>
+          <a:lstStyle/>
+          <a:p>
+            <a:pPr algn="ctr"/>
+            <a:endParaRPr lang="zh-TW" altLang="en-US"/>
+          </a:p>
+        </p:txBody>
+      </p:sp>
+      <p:sp>
+        <p:nvSpPr>
+          <p:cNvPr id="6" name="矩形 5"/>
+          <p:cNvSpPr/>
+          <p:nvPr/>
+        </p:nvSpPr>
+        <p:spPr>
+          <a:xfrm>
+            <a:off x="3419872" y="4045012"/>
+            <a:ext cx="3240360" cy="288032"/>
+          </a:xfrm>
+          <a:prstGeom prst="rect">
+            <a:avLst/>
+          </a:prstGeom>
+          <a:noFill/>
+          <a:ln>
+            <a:solidFill>
+              <a:srgbClr val="FF0000"/>
+            </a:solidFill>
+          </a:ln>
+        </p:spPr>
+        <p:style>
+          <a:lnRef idx="2">
+            <a:schemeClr val="accent1">
+              <a:shade val="50000"/>
+            </a:schemeClr>
+          </a:lnRef>
+          <a:fillRef idx="1">
+            <a:schemeClr val="accent1"/>
+          </a:fillRef>
+          <a:effectRef idx="0">
+            <a:schemeClr val="accent1"/>
+          </a:effectRef>
+          <a:fontRef idx="minor">
+            <a:schemeClr val="lt1"/>
+          </a:fontRef>
+        </p:style>
+        <p:txBody>
+          <a:bodyPr rtlCol="0" anchor="ctr"/>
+          <a:lstStyle/>
+          <a:p>
+            <a:pPr algn="ctr"/>
+            <a:endParaRPr lang="zh-TW" altLang="en-US"/>
+          </a:p>
+        </p:txBody>
+      </p:sp>
+      <p:sp>
+        <p:nvSpPr>
+          <p:cNvPr id="7" name="矩形 6"/>
+          <p:cNvSpPr/>
+          <p:nvPr/>
+        </p:nvSpPr>
+        <p:spPr>
+          <a:xfrm>
+            <a:off x="3419872" y="4437112"/>
+            <a:ext cx="3456384" cy="288032"/>
+          </a:xfrm>
+          <a:prstGeom prst="rect">
+            <a:avLst/>
+          </a:prstGeom>
+          <a:noFill/>
+          <a:ln>
+            <a:solidFill>
+              <a:srgbClr val="FF0000"/>
+            </a:solidFill>
+          </a:ln>
+        </p:spPr>
+        <p:style>
+          <a:lnRef idx="2">
+            <a:schemeClr val="accent1">
+              <a:shade val="50000"/>
+            </a:schemeClr>
+          </a:lnRef>
+          <a:fillRef idx="1">
+            <a:schemeClr val="accent1"/>
+          </a:fillRef>
+          <a:effectRef idx="0">
+            <a:schemeClr val="accent1"/>
+          </a:effectRef>
+          <a:fontRef idx="minor">
+            <a:schemeClr val="lt1"/>
+          </a:fontRef>
+        </p:style>
+        <p:txBody>
+          <a:bodyPr rtlCol="0" anchor="ctr"/>
+          <a:lstStyle/>
+          <a:p>
+            <a:pPr algn="ctr"/>
+            <a:endParaRPr lang="zh-TW" altLang="en-US"/>
+          </a:p>
+        </p:txBody>
+      </p:sp>
+      <p:sp>
+        <p:nvSpPr>
+          <p:cNvPr id="8" name="矩形圖說文字 7"/>
+          <p:cNvSpPr/>
+          <p:nvPr/>
+        </p:nvSpPr>
+        <p:spPr>
+          <a:xfrm>
+            <a:off x="5508104" y="3140968"/>
+            <a:ext cx="792088" cy="425740"/>
+          </a:xfrm>
+          <a:prstGeom prst="wedgeRectCallout">
+            <a:avLst>
+              <a:gd name="adj1" fmla="val -66074"/>
+              <a:gd name="adj2" fmla="val 74165"/>
+            </a:avLst>
+          </a:prstGeom>
+          <a:solidFill>
+            <a:schemeClr val="bg1"/>
+          </a:solidFill>
+          <a:ln>
+            <a:solidFill>
+              <a:srgbClr val="FF0000"/>
+            </a:solidFill>
+          </a:ln>
+        </p:spPr>
+        <p:style>
+          <a:lnRef idx="2">
+            <a:schemeClr val="accent1">
+              <a:shade val="50000"/>
+            </a:schemeClr>
+          </a:lnRef>
+          <a:fillRef idx="1">
+            <a:schemeClr val="accent1"/>
+          </a:fillRef>
+          <a:effectRef idx="0">
+            <a:schemeClr val="accent1"/>
+          </a:effectRef>
+          <a:fontRef idx="minor">
+            <a:schemeClr val="lt1"/>
+          </a:fontRef>
+        </p:style>
+        <p:txBody>
+          <a:bodyPr rtlCol="0" anchor="ctr"/>
+          <a:lstStyle/>
+          <a:p>
+            <a:r>
+              <a:rPr lang="zh-TW" altLang="en-US" dirty="0" smtClean="0">
+                <a:solidFill>
+                  <a:srgbClr val="FF0000"/>
+                </a:solidFill>
+              </a:rPr>
+              <a:t>區域</a:t>
+            </a:r>
+            <a:r>
+              <a:rPr lang="en-US" altLang="zh-TW" dirty="0" smtClean="0">
+                <a:solidFill>
+                  <a:srgbClr val="FF0000"/>
+                </a:solidFill>
+              </a:rPr>
+              <a:t>1</a:t>
+            </a:r>
+            <a:endParaRPr lang="zh-TW" altLang="en-US" dirty="0">
+              <a:solidFill>
+                <a:srgbClr val="FF0000"/>
+              </a:solidFill>
+            </a:endParaRPr>
+          </a:p>
+        </p:txBody>
+      </p:sp>
+      <p:sp>
+        <p:nvSpPr>
+          <p:cNvPr id="9" name="矩形圖說文字 8"/>
+          <p:cNvSpPr/>
+          <p:nvPr/>
+        </p:nvSpPr>
+        <p:spPr>
+          <a:xfrm>
+            <a:off x="6300192" y="4869160"/>
+            <a:ext cx="818865" cy="504056"/>
+          </a:xfrm>
+          <a:prstGeom prst="wedgeRectCallout">
+            <a:avLst>
+              <a:gd name="adj1" fmla="val -82425"/>
+              <a:gd name="adj2" fmla="val -68196"/>
+            </a:avLst>
+          </a:prstGeom>
+          <a:solidFill>
+            <a:schemeClr val="bg1"/>
+          </a:solidFill>
+          <a:ln>
+            <a:solidFill>
+              <a:srgbClr val="FF0000"/>
+            </a:solidFill>
+          </a:ln>
+        </p:spPr>
+        <p:style>
+          <a:lnRef idx="2">
+            <a:schemeClr val="accent1">
+              <a:shade val="50000"/>
+            </a:schemeClr>
+          </a:lnRef>
+          <a:fillRef idx="1">
+            <a:schemeClr val="accent1"/>
+          </a:fillRef>
+          <a:effectRef idx="0">
+            <a:schemeClr val="accent1"/>
+          </a:effectRef>
+          <a:fontRef idx="minor">
+            <a:schemeClr val="lt1"/>
+          </a:fontRef>
+        </p:style>
+        <p:txBody>
+          <a:bodyPr rtlCol="0" anchor="ctr"/>
+          <a:lstStyle/>
+          <a:p>
+            <a:pPr algn="ctr"/>
+            <a:r>
+              <a:rPr lang="zh-TW" altLang="en-US" dirty="0" smtClean="0">
+                <a:solidFill>
+                  <a:srgbClr val="FF0000"/>
+                </a:solidFill>
+              </a:rPr>
+              <a:t>區域</a:t>
+            </a:r>
+            <a:r>
+              <a:rPr lang="en-US" altLang="zh-TW" dirty="0" smtClean="0">
+                <a:solidFill>
+                  <a:srgbClr val="FF0000"/>
+                </a:solidFill>
+              </a:rPr>
+              <a:t>3</a:t>
+            </a:r>
+            <a:endParaRPr lang="zh-TW" altLang="en-US" dirty="0">
+              <a:solidFill>
+                <a:srgbClr val="FF0000"/>
+              </a:solidFill>
+            </a:endParaRPr>
+          </a:p>
+        </p:txBody>
+      </p:sp>
+      <p:sp>
+        <p:nvSpPr>
+          <p:cNvPr id="10" name="矩形 9"/>
+          <p:cNvSpPr/>
+          <p:nvPr/>
+        </p:nvSpPr>
+        <p:spPr>
+          <a:xfrm>
+            <a:off x="971600" y="4890126"/>
+            <a:ext cx="4536504" cy="843129"/>
+          </a:xfrm>
+          <a:prstGeom prst="rect">
+            <a:avLst/>
+          </a:prstGeom>
+          <a:noFill/>
+          <a:ln>
+            <a:solidFill>
+              <a:srgbClr val="FF0000"/>
+            </a:solidFill>
+          </a:ln>
+        </p:spPr>
+        <p:style>
+          <a:lnRef idx="2">
+            <a:schemeClr val="accent1">
+              <a:shade val="50000"/>
+            </a:schemeClr>
+          </a:lnRef>
+          <a:fillRef idx="1">
+            <a:schemeClr val="accent1"/>
+          </a:fillRef>
+          <a:effectRef idx="0">
+            <a:schemeClr val="accent1"/>
+          </a:effectRef>
+          <a:fontRef idx="minor">
+            <a:schemeClr val="lt1"/>
+          </a:fontRef>
+        </p:style>
+        <p:txBody>
+          <a:bodyPr rtlCol="0" anchor="ctr"/>
+          <a:lstStyle/>
+          <a:p>
+            <a:pPr algn="ctr"/>
+            <a:endParaRPr lang="zh-TW" altLang="en-US"/>
+          </a:p>
+        </p:txBody>
+      </p:sp>
+      <p:sp>
+        <p:nvSpPr>
+          <p:cNvPr id="11" name="矩形圖說文字 10"/>
+          <p:cNvSpPr/>
+          <p:nvPr/>
+        </p:nvSpPr>
+        <p:spPr>
+          <a:xfrm>
+            <a:off x="5317722" y="5801607"/>
+            <a:ext cx="982470" cy="504056"/>
+          </a:xfrm>
+          <a:prstGeom prst="wedgeRectCallout">
+            <a:avLst>
+              <a:gd name="adj1" fmla="val -94405"/>
+              <a:gd name="adj2" fmla="val -75042"/>
+            </a:avLst>
+          </a:prstGeom>
+          <a:solidFill>
+            <a:schemeClr val="bg1"/>
+          </a:solidFill>
+          <a:ln>
+            <a:solidFill>
+              <a:srgbClr val="FF0000"/>
+            </a:solidFill>
+          </a:ln>
+        </p:spPr>
+        <p:style>
+          <a:lnRef idx="2">
+            <a:schemeClr val="accent1">
+              <a:shade val="50000"/>
+            </a:schemeClr>
+          </a:lnRef>
+          <a:fillRef idx="1">
+            <a:schemeClr val="accent1"/>
+          </a:fillRef>
+          <a:effectRef idx="0">
+            <a:schemeClr val="accent1"/>
+          </a:effectRef>
+          <a:fontRef idx="minor">
+            <a:schemeClr val="lt1"/>
+          </a:fontRef>
+        </p:style>
+        <p:txBody>
+          <a:bodyPr rtlCol="0" anchor="ctr"/>
+          <a:lstStyle/>
+          <a:p>
+            <a:pPr algn="ctr"/>
+            <a:r>
+              <a:rPr lang="zh-TW" altLang="en-US" dirty="0" smtClean="0">
+                <a:solidFill>
+                  <a:srgbClr val="FF0000"/>
+                </a:solidFill>
+              </a:rPr>
+              <a:t>區域</a:t>
+            </a:r>
+            <a:r>
+              <a:rPr lang="en-US" altLang="zh-TW" dirty="0" smtClean="0">
+                <a:solidFill>
+                  <a:srgbClr val="FF0000"/>
+                </a:solidFill>
+              </a:rPr>
+              <a:t>4</a:t>
+            </a:r>
+            <a:endParaRPr lang="zh-TW" altLang="en-US" dirty="0">
+              <a:solidFill>
+                <a:srgbClr val="FF0000"/>
+              </a:solidFill>
+            </a:endParaRPr>
+          </a:p>
+        </p:txBody>
+      </p:sp>
+      <p:sp>
+        <p:nvSpPr>
+          <p:cNvPr id="12" name="矩形圖說文字 11"/>
+          <p:cNvSpPr/>
+          <p:nvPr/>
+        </p:nvSpPr>
+        <p:spPr>
+          <a:xfrm>
+            <a:off x="6713786" y="3651332"/>
+            <a:ext cx="810542" cy="425740"/>
+          </a:xfrm>
+          <a:prstGeom prst="wedgeRectCallout">
+            <a:avLst>
+              <a:gd name="adj1" fmla="val -50687"/>
+              <a:gd name="adj2" fmla="val 70113"/>
+            </a:avLst>
+          </a:prstGeom>
+          <a:solidFill>
+            <a:schemeClr val="bg1"/>
+          </a:solidFill>
+          <a:ln>
+            <a:solidFill>
+              <a:srgbClr val="FF0000"/>
+            </a:solidFill>
+          </a:ln>
+        </p:spPr>
+        <p:style>
+          <a:lnRef idx="2">
+            <a:schemeClr val="accent1">
+              <a:shade val="50000"/>
+            </a:schemeClr>
+          </a:lnRef>
+          <a:fillRef idx="1">
+            <a:schemeClr val="accent1"/>
+          </a:fillRef>
+          <a:effectRef idx="0">
+            <a:schemeClr val="accent1"/>
+          </a:effectRef>
+          <a:fontRef idx="minor">
+            <a:schemeClr val="lt1"/>
+          </a:fontRef>
+        </p:style>
+        <p:txBody>
+          <a:bodyPr rtlCol="0" anchor="ctr"/>
+          <a:lstStyle/>
+          <a:p>
+            <a:r>
+              <a:rPr lang="zh-TW" altLang="en-US" dirty="0" smtClean="0">
+                <a:solidFill>
+                  <a:srgbClr val="FF0000"/>
+                </a:solidFill>
+              </a:rPr>
+              <a:t>區域</a:t>
+            </a:r>
+            <a:r>
+              <a:rPr lang="en-US" altLang="zh-TW" dirty="0" smtClean="0">
+                <a:solidFill>
+                  <a:srgbClr val="FF0000"/>
+                </a:solidFill>
+              </a:rPr>
+              <a:t>2</a:t>
+            </a:r>
+            <a:endParaRPr lang="zh-TW" altLang="en-US" dirty="0">
+              <a:solidFill>
+                <a:srgbClr val="FF0000"/>
+              </a:solidFill>
+            </a:endParaRPr>
+          </a:p>
+        </p:txBody>
+      </p:sp>
+    </p:spTree>
+    <p:extLst>
+      <p:ext uri="{BB962C8B-B14F-4D97-AF65-F5344CB8AC3E}">
+        <p14:creationId xmlns:p14="http://schemas.microsoft.com/office/powerpoint/2010/main" val="3619002667"/>
+      </p:ext>
+    </p:extLst>
+  </p:cSld>
+  <p:clrMapOvr>
+    <a:masterClrMapping/>
+  </p:clrMapOvr>
+</p:sld>
+</file>
+
+<file path=ppt/slides/slide17.xml><?xml version="1.0" encoding="utf-8"?>
+<p:sld xmlns:a="http://schemas.openxmlformats.org/drawingml/2006/main" xmlns:r="http://schemas.openxmlformats.org/officeDocument/2006/relationships" xmlns:p="http://schemas.openxmlformats.org/presentationml/2006/main">
+  <p:cSld>
+    <p:spTree>
+      <p:nvGrpSpPr>
+        <p:cNvPr id="1" name=""/>
+        <p:cNvGrpSpPr/>
+        <p:nvPr/>
+      </p:nvGrpSpPr>
+      <p:grpSpPr>
+        <a:xfrm>
+          <a:off x="0" y="0"/>
+          <a:ext cx="0" cy="0"/>
+          <a:chOff x="0" y="0"/>
+          <a:chExt cx="0" cy="0"/>
+        </a:xfrm>
+      </p:grpSpPr>
+      <p:sp>
+        <p:nvSpPr>
+          <p:cNvPr id="2" name="標題 1"/>
+          <p:cNvSpPr>
+            <a:spLocks noGrp="1"/>
+          </p:cNvSpPr>
+          <p:nvPr>
+            <p:ph type="title"/>
+          </p:nvPr>
+        </p:nvSpPr>
+        <p:spPr/>
+        <p:txBody>
+          <a:bodyPr/>
+          <a:lstStyle/>
+          <a:p>
+            <a:r>
+              <a:rPr lang="zh-TW" altLang="en-US" dirty="0"/>
+              <a:t>隱式 </a:t>
+            </a:r>
+            <a:r>
+              <a:rPr lang="en-US" altLang="zh-TW" dirty="0" smtClean="0"/>
+              <a:t>Intent</a:t>
+            </a:r>
+            <a:r>
+              <a:rPr lang="en-US" altLang="zh-TW" dirty="0"/>
+              <a:t> </a:t>
+            </a:r>
+            <a:r>
+              <a:rPr lang="en-US" altLang="zh-TW" dirty="0" smtClean="0"/>
+              <a:t>(</a:t>
+            </a:r>
+            <a:r>
+              <a:rPr lang="en-US" altLang="zh-TW" dirty="0"/>
+              <a:t>13/16)</a:t>
+            </a:r>
+            <a:endParaRPr lang="zh-TW" altLang="en-US" dirty="0"/>
+          </a:p>
+        </p:txBody>
+      </p:sp>
+      <p:sp>
+        <p:nvSpPr>
+          <p:cNvPr id="3" name="內容版面配置區 2"/>
+          <p:cNvSpPr>
+            <a:spLocks noGrp="1"/>
+          </p:cNvSpPr>
+          <p:nvPr>
+            <p:ph idx="1"/>
+          </p:nvPr>
+        </p:nvSpPr>
+        <p:spPr/>
+        <p:txBody>
+          <a:bodyPr/>
+          <a:lstStyle/>
+          <a:p>
+            <a:r>
+              <a:rPr lang="en-US" altLang="zh-TW" dirty="0">
+                <a:latin typeface="+mn-ea"/>
+              </a:rPr>
+              <a:t>Intent Filter 範例4 </a:t>
+            </a:r>
+            <a:r>
+              <a:rPr lang="en-US" altLang="zh-TW" dirty="0" smtClean="0">
+                <a:latin typeface="+mn-ea"/>
+              </a:rPr>
+              <a:t>(</a:t>
+            </a:r>
+            <a:r>
+              <a:rPr lang="en-US" altLang="zh-TW" dirty="0" smtClean="0">
+                <a:latin typeface="+mn-ea"/>
+              </a:rPr>
+              <a:t>2/4)</a:t>
+            </a:r>
+            <a:endParaRPr lang="en-US" altLang="zh-TW" dirty="0" smtClean="0">
+              <a:solidFill>
+                <a:srgbClr val="FF0000"/>
+              </a:solidFill>
+            </a:endParaRPr>
+          </a:p>
+          <a:p>
+            <a:pPr lvl="1"/>
+            <a:r>
+              <a:rPr lang="zh-TW" altLang="en-US" dirty="0" smtClean="0">
+                <a:solidFill>
+                  <a:srgbClr val="FF0000"/>
+                </a:solidFill>
+              </a:rPr>
+              <a:t>區域</a:t>
+            </a:r>
+            <a:r>
+              <a:rPr lang="en-US" altLang="zh-TW" dirty="0">
+                <a:solidFill>
+                  <a:srgbClr val="FF0000"/>
+                </a:solidFill>
+              </a:rPr>
+              <a:t>1</a:t>
+            </a:r>
+            <a:r>
+              <a:rPr lang="en-US" altLang="zh-TW" dirty="0" smtClean="0">
+                <a:solidFill>
+                  <a:srgbClr val="FF0000"/>
+                </a:solidFill>
+              </a:rPr>
+              <a:t>:</a:t>
+            </a:r>
+          </a:p>
+          <a:p>
+            <a:pPr lvl="2"/>
+            <a:r>
+              <a:rPr lang="en-US" altLang="zh-TW" dirty="0" err="1"/>
+              <a:t>android.intent.action.VIEW</a:t>
+            </a:r>
+            <a:r>
+              <a:rPr lang="en-US" altLang="zh-TW" dirty="0"/>
+              <a:t> </a:t>
+            </a:r>
+            <a:r>
+              <a:rPr lang="en-US" altLang="zh-TW" dirty="0" err="1"/>
+              <a:t>為android內鍵action</a:t>
+            </a:r>
+            <a:r>
+              <a:rPr lang="zh-TW" altLang="en-US" dirty="0"/>
+              <a:t>，</a:t>
+            </a:r>
+            <a:r>
+              <a:rPr lang="en-US" altLang="zh-TW" dirty="0"/>
+              <a:t> </a:t>
+            </a:r>
+            <a:r>
+              <a:rPr lang="en-US" altLang="zh-TW" dirty="0" err="1"/>
+              <a:t>在傳遞的intent如有指定這個action，會列出所有含有此action的app</a:t>
+            </a:r>
+            <a:r>
+              <a:rPr lang="zh-TW" altLang="en-US" dirty="0"/>
+              <a:t>，提供選指。</a:t>
+            </a:r>
+          </a:p>
+          <a:p>
+            <a:pPr lvl="1"/>
+            <a:endParaRPr lang="zh-TW" altLang="en-US" dirty="0">
+              <a:solidFill>
+                <a:srgbClr val="FF0000"/>
+              </a:solidFill>
+            </a:endParaRPr>
+          </a:p>
+          <a:p>
+            <a:endParaRPr lang="zh-TW" altLang="en-US" dirty="0"/>
+          </a:p>
+        </p:txBody>
+      </p:sp>
+      <p:pic>
+        <p:nvPicPr>
+          <p:cNvPr id="4" name="Picture 2"/>
+          <p:cNvPicPr>
+            <a:picLocks noChangeAspect="1" noChangeArrowheads="1"/>
+          </p:cNvPicPr>
+          <p:nvPr/>
+        </p:nvPicPr>
+        <p:blipFill>
+          <a:blip r:embed="rId2">
+            <a:extLst>
+              <a:ext uri="{28A0092B-C50C-407E-A947-70E740481C1C}">
+                <a14:useLocalDpi xmlns:a14="http://schemas.microsoft.com/office/drawing/2010/main" val="0"/>
+              </a:ext>
+            </a:extLst>
+          </a:blip>
+          <a:srcRect/>
+          <a:stretch>
+            <a:fillRect/>
+          </a:stretch>
+        </p:blipFill>
+        <p:spPr bwMode="auto">
+          <a:xfrm>
+            <a:off x="2411760" y="2320849"/>
+            <a:ext cx="6408712" cy="244055"/>
+          </a:xfrm>
+          <a:prstGeom prst="rect">
+            <a:avLst/>
+          </a:prstGeom>
+          <a:noFill/>
+          <a:ln>
+            <a:noFill/>
+          </a:ln>
+          <a:extLst>
+            <a:ext uri="{909E8E84-426E-40DD-AFC4-6F175D3DCCD1}">
+              <a14:hiddenFill xmlns:a14="http://schemas.microsoft.com/office/drawing/2010/main">
+                <a:solidFill>
+                  <a:schemeClr val="accent1"/>
+                </a:solidFill>
+              </a14:hiddenFill>
+            </a:ext>
+            <a:ext uri="{91240B29-F687-4F45-9708-019B960494DF}">
+              <a14:hiddenLine xmlns:a14="http://schemas.microsoft.com/office/drawing/2010/main" w="9525">
+                <a:solidFill>
+                  <a:schemeClr val="tx1"/>
+                </a:solidFill>
+                <a:miter lim="800000"/>
+                <a:headEnd/>
+                <a:tailEnd/>
+              </a14:hiddenLine>
+            </a:ext>
+          </a:extLst>
+        </p:spPr>
+      </p:pic>
+      <p:sp>
+        <p:nvSpPr>
+          <p:cNvPr id="5" name="矩形 4"/>
+          <p:cNvSpPr/>
+          <p:nvPr/>
+        </p:nvSpPr>
+        <p:spPr>
+          <a:xfrm>
+            <a:off x="4498085" y="2284200"/>
+            <a:ext cx="3285122" cy="255607"/>
+          </a:xfrm>
+          <a:prstGeom prst="rect">
+            <a:avLst/>
+          </a:prstGeom>
+          <a:noFill/>
+          <a:ln>
+            <a:solidFill>
+              <a:srgbClr val="FF0000"/>
+            </a:solidFill>
+          </a:ln>
+        </p:spPr>
+        <p:style>
+          <a:lnRef idx="2">
+            <a:schemeClr val="accent1">
+              <a:shade val="50000"/>
+            </a:schemeClr>
+          </a:lnRef>
+          <a:fillRef idx="1">
+            <a:schemeClr val="accent1"/>
+          </a:fillRef>
+          <a:effectRef idx="0">
+            <a:schemeClr val="accent1"/>
+          </a:effectRef>
+          <a:fontRef idx="minor">
+            <a:schemeClr val="lt1"/>
+          </a:fontRef>
+        </p:style>
+        <p:txBody>
+          <a:bodyPr rtlCol="0" anchor="ctr"/>
+          <a:lstStyle/>
+          <a:p>
+            <a:pPr algn="ctr"/>
+            <a:endParaRPr lang="zh-TW" altLang="en-US"/>
+          </a:p>
+        </p:txBody>
+      </p:sp>
+      <p:pic>
+        <p:nvPicPr>
+          <p:cNvPr id="5122" name="Picture 2"/>
+          <p:cNvPicPr>
+            <a:picLocks noChangeAspect="1" noChangeArrowheads="1"/>
+          </p:cNvPicPr>
+          <p:nvPr/>
+        </p:nvPicPr>
+        <p:blipFill>
+          <a:blip r:embed="rId3" cstate="print">
+            <a:extLst>
+              <a:ext uri="{28A0092B-C50C-407E-A947-70E740481C1C}">
+                <a14:useLocalDpi xmlns:a14="http://schemas.microsoft.com/office/drawing/2010/main" val="0"/>
+              </a:ext>
+            </a:extLst>
+          </a:blip>
+          <a:srcRect/>
+          <a:stretch>
+            <a:fillRect/>
+          </a:stretch>
+        </p:blipFill>
+        <p:spPr bwMode="auto">
+          <a:xfrm>
+            <a:off x="6301944" y="2924944"/>
+            <a:ext cx="2425731" cy="3744416"/>
+          </a:xfrm>
+          <a:prstGeom prst="rect">
+            <a:avLst/>
+          </a:prstGeom>
+          <a:noFill/>
+          <a:ln>
+            <a:noFill/>
+          </a:ln>
+          <a:extLst>
+            <a:ext uri="{909E8E84-426E-40DD-AFC4-6F175D3DCCD1}">
+              <a14:hiddenFill xmlns:a14="http://schemas.microsoft.com/office/drawing/2010/main">
+                <a:solidFill>
+                  <a:schemeClr val="accent1"/>
+                </a:solidFill>
+              </a14:hiddenFill>
+            </a:ext>
+            <a:ext uri="{91240B29-F687-4F45-9708-019B960494DF}">
+              <a14:hiddenLine xmlns:a14="http://schemas.microsoft.com/office/drawing/2010/main" w="9525">
+                <a:solidFill>
+                  <a:schemeClr val="tx1"/>
+                </a:solidFill>
+                <a:miter lim="800000"/>
+                <a:headEnd/>
+                <a:tailEnd/>
+              </a14:hiddenLine>
+            </a:ext>
+          </a:extLst>
+        </p:spPr>
+      </p:pic>
+      <p:sp>
+        <p:nvSpPr>
+          <p:cNvPr id="7" name="矩形 6"/>
+          <p:cNvSpPr/>
+          <p:nvPr/>
+        </p:nvSpPr>
+        <p:spPr>
+          <a:xfrm>
+            <a:off x="6361304" y="5562050"/>
+            <a:ext cx="2315152" cy="255607"/>
+          </a:xfrm>
+          <a:prstGeom prst="rect">
+            <a:avLst/>
+          </a:prstGeom>
+          <a:noFill/>
+          <a:ln>
+            <a:solidFill>
+              <a:srgbClr val="FF0000"/>
+            </a:solidFill>
+          </a:ln>
+        </p:spPr>
+        <p:style>
+          <a:lnRef idx="2">
+            <a:schemeClr val="accent1">
+              <a:shade val="50000"/>
+            </a:schemeClr>
+          </a:lnRef>
+          <a:fillRef idx="1">
+            <a:schemeClr val="accent1"/>
+          </a:fillRef>
+          <a:effectRef idx="0">
+            <a:schemeClr val="accent1"/>
+          </a:effectRef>
+          <a:fontRef idx="minor">
+            <a:schemeClr val="lt1"/>
+          </a:fontRef>
+        </p:style>
+        <p:txBody>
+          <a:bodyPr rtlCol="0" anchor="ctr"/>
+          <a:lstStyle/>
+          <a:p>
+            <a:pPr algn="ctr"/>
+            <a:endParaRPr lang="zh-TW" altLang="en-US"/>
+          </a:p>
+        </p:txBody>
+      </p:sp>
+      <p:sp>
+        <p:nvSpPr>
+          <p:cNvPr id="8" name="矩形圖說文字 7"/>
+          <p:cNvSpPr/>
+          <p:nvPr/>
+        </p:nvSpPr>
+        <p:spPr>
+          <a:xfrm>
+            <a:off x="323528" y="5070387"/>
+            <a:ext cx="5249733" cy="747269"/>
+          </a:xfrm>
+          <a:prstGeom prst="wedgeRectCallout">
+            <a:avLst>
+              <a:gd name="adj1" fmla="val 64033"/>
+              <a:gd name="adj2" fmla="val 28312"/>
+            </a:avLst>
+          </a:prstGeom>
+          <a:solidFill>
+            <a:schemeClr val="bg1"/>
+          </a:solidFill>
+          <a:ln>
+            <a:solidFill>
+              <a:srgbClr val="FF0000"/>
+            </a:solidFill>
+          </a:ln>
+        </p:spPr>
+        <p:style>
+          <a:lnRef idx="2">
+            <a:schemeClr val="accent1">
+              <a:shade val="50000"/>
+            </a:schemeClr>
+          </a:lnRef>
+          <a:fillRef idx="1">
+            <a:schemeClr val="accent1"/>
+          </a:fillRef>
+          <a:effectRef idx="0">
+            <a:schemeClr val="accent1"/>
+          </a:effectRef>
+          <a:fontRef idx="minor">
+            <a:schemeClr val="lt1"/>
+          </a:fontRef>
+        </p:style>
+        <p:txBody>
+          <a:bodyPr rtlCol="0" anchor="ctr"/>
+          <a:lstStyle/>
+          <a:p>
+            <a:r>
+              <a:rPr lang="zh-TW" altLang="en-US" dirty="0" smtClean="0">
+                <a:solidFill>
+                  <a:srgbClr val="FF0000"/>
+                </a:solidFill>
+              </a:rPr>
+              <a:t>在</a:t>
+            </a:r>
+            <a:r>
+              <a:rPr lang="en-US" altLang="zh-TW" dirty="0" smtClean="0">
+                <a:solidFill>
+                  <a:srgbClr val="FF0000"/>
+                </a:solidFill>
+              </a:rPr>
+              <a:t>Intent-Filter中action有設定”android.intent.action.VIEW”，</a:t>
+            </a:r>
+            <a:r>
+              <a:rPr lang="en-US" altLang="zh-TW" dirty="0" err="1" smtClean="0">
+                <a:solidFill>
+                  <a:srgbClr val="FF0000"/>
+                </a:solidFill>
+              </a:rPr>
+              <a:t>所以就會在清單中</a:t>
+            </a:r>
+            <a:r>
+              <a:rPr lang="en-US" altLang="zh-TW" dirty="0" smtClean="0">
+                <a:solidFill>
+                  <a:srgbClr val="FF0000"/>
+                </a:solidFill>
+              </a:rPr>
+              <a:t>。</a:t>
+            </a:r>
+            <a:endParaRPr lang="zh-TW" altLang="en-US" dirty="0">
+              <a:solidFill>
+                <a:srgbClr val="FF0000"/>
+              </a:solidFill>
+            </a:endParaRPr>
+          </a:p>
+        </p:txBody>
+      </p:sp>
+    </p:spTree>
+    <p:extLst>
+      <p:ext uri="{BB962C8B-B14F-4D97-AF65-F5344CB8AC3E}">
+        <p14:creationId xmlns:p14="http://schemas.microsoft.com/office/powerpoint/2010/main" val="3620338761"/>
+      </p:ext>
+    </p:extLst>
+  </p:cSld>
+  <p:clrMapOvr>
+    <a:masterClrMapping/>
+  </p:clrMapOvr>
+</p:sld>
+</file>
+
+<file path=ppt/slides/slide18.xml><?xml version="1.0" encoding="utf-8"?>
+<p:sld xmlns:a="http://schemas.openxmlformats.org/drawingml/2006/main" xmlns:r="http://schemas.openxmlformats.org/officeDocument/2006/relationships" xmlns:p="http://schemas.openxmlformats.org/presentationml/2006/main">
+  <p:cSld>
+    <p:spTree>
+      <p:nvGrpSpPr>
+        <p:cNvPr id="1" name=""/>
+        <p:cNvGrpSpPr/>
+        <p:nvPr/>
+      </p:nvGrpSpPr>
+      <p:grpSpPr>
+        <a:xfrm>
+          <a:off x="0" y="0"/>
+          <a:ext cx="0" cy="0"/>
+          <a:chOff x="0" y="0"/>
+          <a:chExt cx="0" cy="0"/>
+        </a:xfrm>
+      </p:grpSpPr>
+      <p:sp>
+        <p:nvSpPr>
+          <p:cNvPr id="2" name="標題 1"/>
+          <p:cNvSpPr>
+            <a:spLocks noGrp="1"/>
+          </p:cNvSpPr>
+          <p:nvPr>
+            <p:ph type="title"/>
+          </p:nvPr>
+        </p:nvSpPr>
+        <p:spPr/>
+        <p:txBody>
+          <a:bodyPr/>
+          <a:lstStyle/>
+          <a:p>
+            <a:r>
+              <a:rPr lang="zh-TW" altLang="en-US" dirty="0"/>
+              <a:t>隱式 </a:t>
+            </a:r>
+            <a:r>
+              <a:rPr lang="en-US" altLang="zh-TW" dirty="0" smtClean="0"/>
+              <a:t>Intent</a:t>
+            </a:r>
+            <a:r>
+              <a:rPr lang="en-US" altLang="zh-TW" dirty="0"/>
+              <a:t> </a:t>
+            </a:r>
+            <a:r>
+              <a:rPr lang="en-US" altLang="zh-TW" dirty="0" smtClean="0"/>
+              <a:t>(</a:t>
+            </a:r>
+            <a:r>
+              <a:rPr lang="en-US" altLang="zh-TW" dirty="0"/>
+              <a:t>14/16)</a:t>
+            </a:r>
+            <a:endParaRPr lang="zh-TW" altLang="en-US" dirty="0"/>
+          </a:p>
+        </p:txBody>
+      </p:sp>
+      <p:sp>
+        <p:nvSpPr>
+          <p:cNvPr id="3" name="內容版面配置區 2"/>
+          <p:cNvSpPr>
+            <a:spLocks noGrp="1"/>
+          </p:cNvSpPr>
+          <p:nvPr>
+            <p:ph idx="1"/>
+          </p:nvPr>
+        </p:nvSpPr>
+        <p:spPr/>
+        <p:txBody>
+          <a:bodyPr/>
+          <a:lstStyle/>
+          <a:p>
+            <a:r>
+              <a:rPr lang="en-US" altLang="zh-TW" dirty="0">
+                <a:latin typeface="+mn-ea"/>
+              </a:rPr>
+              <a:t>Intent Filter 範例4 </a:t>
+            </a:r>
+            <a:r>
+              <a:rPr lang="en-US" altLang="zh-TW" dirty="0" smtClean="0">
+                <a:latin typeface="+mn-ea"/>
+              </a:rPr>
+              <a:t>(</a:t>
+            </a:r>
+            <a:r>
+              <a:rPr lang="en-US" altLang="zh-TW" dirty="0" smtClean="0">
+                <a:latin typeface="+mn-ea"/>
+              </a:rPr>
+              <a:t>3/4)</a:t>
+            </a:r>
+            <a:endParaRPr lang="en-US" altLang="zh-TW" dirty="0">
+              <a:latin typeface="+mn-ea"/>
+            </a:endParaRPr>
+          </a:p>
+          <a:p>
+            <a:pPr lvl="1"/>
+            <a:r>
+              <a:rPr lang="zh-TW" altLang="en-US" dirty="0" smtClean="0">
+                <a:solidFill>
+                  <a:srgbClr val="FF0000"/>
+                </a:solidFill>
+              </a:rPr>
+              <a:t>區域</a:t>
+            </a:r>
+            <a:r>
+              <a:rPr lang="en-US" altLang="zh-TW" dirty="0">
+                <a:solidFill>
+                  <a:srgbClr val="FF0000"/>
+                </a:solidFill>
+              </a:rPr>
+              <a:t>2: 參考範例2的區域3說明 </a:t>
+            </a:r>
+          </a:p>
+          <a:p>
+            <a:pPr lvl="1"/>
+            <a:r>
+              <a:rPr lang="zh-TW" altLang="en-US" dirty="0">
+                <a:solidFill>
+                  <a:srgbClr val="FF0000"/>
+                </a:solidFill>
+              </a:rPr>
+              <a:t>區域</a:t>
+            </a:r>
+            <a:r>
+              <a:rPr lang="en-US" altLang="zh-TW" dirty="0">
+                <a:solidFill>
+                  <a:srgbClr val="FF0000"/>
+                </a:solidFill>
+              </a:rPr>
+              <a:t>3:</a:t>
+            </a:r>
+          </a:p>
+          <a:p>
+            <a:pPr lvl="2"/>
+            <a:r>
+              <a:rPr lang="zh-TW" altLang="en-US" dirty="0">
+                <a:solidFill>
+                  <a:srgbClr val="FF0000"/>
+                </a:solidFill>
+              </a:rPr>
+              <a:t>接收點擊網頁中的</a:t>
+            </a:r>
+            <a:r>
+              <a:rPr lang="en-US" altLang="zh-TW" dirty="0" smtClean="0">
+                <a:solidFill>
+                  <a:srgbClr val="FF0000"/>
+                </a:solidFill>
+              </a:rPr>
+              <a:t>URL</a:t>
+            </a:r>
+          </a:p>
+          <a:p>
+            <a:pPr lvl="1"/>
+            <a:r>
+              <a:rPr lang="zh-TW" altLang="en-US" dirty="0" smtClean="0">
+                <a:solidFill>
+                  <a:srgbClr val="FF0000"/>
+                </a:solidFill>
+              </a:rPr>
+              <a:t>區域</a:t>
+            </a:r>
+            <a:r>
+              <a:rPr lang="en-US" altLang="zh-TW" dirty="0" smtClean="0">
+                <a:solidFill>
+                  <a:srgbClr val="FF0000"/>
+                </a:solidFill>
+              </a:rPr>
+              <a:t>4:</a:t>
+            </a:r>
+            <a:endParaRPr lang="zh-TW" altLang="en-US" dirty="0">
+              <a:solidFill>
+                <a:srgbClr val="FF0000"/>
+              </a:solidFill>
+            </a:endParaRPr>
+          </a:p>
+        </p:txBody>
+      </p:sp>
+      <p:pic>
+        <p:nvPicPr>
+          <p:cNvPr id="4" name="Picture 2"/>
+          <p:cNvPicPr>
+            <a:picLocks noChangeAspect="1" noChangeArrowheads="1"/>
+          </p:cNvPicPr>
+          <p:nvPr/>
+        </p:nvPicPr>
+        <p:blipFill>
+          <a:blip r:embed="rId2">
+            <a:extLst>
+              <a:ext uri="{28A0092B-C50C-407E-A947-70E740481C1C}">
+                <a14:useLocalDpi xmlns:a14="http://schemas.microsoft.com/office/drawing/2010/main" val="0"/>
+              </a:ext>
+            </a:extLst>
+          </a:blip>
+          <a:srcRect/>
+          <a:stretch>
+            <a:fillRect/>
+          </a:stretch>
+        </p:blipFill>
+        <p:spPr bwMode="auto">
+          <a:xfrm>
+            <a:off x="2387108" y="2924944"/>
+            <a:ext cx="6336704" cy="241727"/>
+          </a:xfrm>
+          <a:prstGeom prst="rect">
+            <a:avLst/>
+          </a:prstGeom>
+          <a:noFill/>
+          <a:ln>
+            <a:noFill/>
+          </a:ln>
+          <a:extLst>
+            <a:ext uri="{909E8E84-426E-40DD-AFC4-6F175D3DCCD1}">
+              <a14:hiddenFill xmlns:a14="http://schemas.microsoft.com/office/drawing/2010/main">
+                <a:solidFill>
+                  <a:schemeClr val="accent1"/>
+                </a:solidFill>
+              </a14:hiddenFill>
+            </a:ext>
+            <a:ext uri="{91240B29-F687-4F45-9708-019B960494DF}">
+              <a14:hiddenLine xmlns:a14="http://schemas.microsoft.com/office/drawing/2010/main" w="9525">
+                <a:solidFill>
+                  <a:schemeClr val="tx1"/>
+                </a:solidFill>
+                <a:miter lim="800000"/>
+                <a:headEnd/>
+                <a:tailEnd/>
+              </a14:hiddenLine>
+            </a:ext>
+          </a:extLst>
+        </p:spPr>
+      </p:pic>
+      <p:pic>
+        <p:nvPicPr>
+          <p:cNvPr id="6146" name="Picture 2"/>
+          <p:cNvPicPr>
+            <a:picLocks noChangeAspect="1" noChangeArrowheads="1"/>
+          </p:cNvPicPr>
+          <p:nvPr/>
+        </p:nvPicPr>
+        <p:blipFill>
+          <a:blip r:embed="rId3">
+            <a:extLst>
+              <a:ext uri="{28A0092B-C50C-407E-A947-70E740481C1C}">
+                <a14:useLocalDpi xmlns:a14="http://schemas.microsoft.com/office/drawing/2010/main" val="0"/>
+              </a:ext>
+            </a:extLst>
+          </a:blip>
+          <a:srcRect/>
+          <a:stretch>
+            <a:fillRect/>
+          </a:stretch>
+        </p:blipFill>
+        <p:spPr bwMode="auto">
+          <a:xfrm>
+            <a:off x="1619672" y="4685561"/>
+            <a:ext cx="5210175" cy="962025"/>
+          </a:xfrm>
+          <a:prstGeom prst="rect">
+            <a:avLst/>
+          </a:prstGeom>
+          <a:noFill/>
+          <a:ln>
+            <a:noFill/>
+          </a:ln>
+          <a:extLst>
+            <a:ext uri="{909E8E84-426E-40DD-AFC4-6F175D3DCCD1}">
+              <a14:hiddenFill xmlns:a14="http://schemas.microsoft.com/office/drawing/2010/main">
+                <a:solidFill>
+                  <a:schemeClr val="accent1"/>
+                </a:solidFill>
+              </a14:hiddenFill>
+            </a:ext>
+            <a:ext uri="{91240B29-F687-4F45-9708-019B960494DF}">
+              <a14:hiddenLine xmlns:a14="http://schemas.microsoft.com/office/drawing/2010/main" w="9525">
+                <a:solidFill>
+                  <a:schemeClr val="tx1"/>
+                </a:solidFill>
+                <a:miter lim="800000"/>
+                <a:headEnd/>
+                <a:tailEnd/>
+              </a14:hiddenLine>
+            </a:ext>
+          </a:extLst>
+        </p:spPr>
+      </p:pic>
+      <p:pic>
+        <p:nvPicPr>
+          <p:cNvPr id="6147" name="Picture 3"/>
+          <p:cNvPicPr>
+            <a:picLocks noChangeAspect="1" noChangeArrowheads="1"/>
+          </p:cNvPicPr>
+          <p:nvPr/>
+        </p:nvPicPr>
+        <p:blipFill>
+          <a:blip r:embed="rId4">
+            <a:extLst>
+              <a:ext uri="{28A0092B-C50C-407E-A947-70E740481C1C}">
+                <a14:useLocalDpi xmlns:a14="http://schemas.microsoft.com/office/drawing/2010/main" val="0"/>
+              </a:ext>
+            </a:extLst>
+          </a:blip>
+          <a:srcRect/>
+          <a:stretch>
+            <a:fillRect/>
+          </a:stretch>
+        </p:blipFill>
+        <p:spPr bwMode="auto">
+          <a:xfrm>
+            <a:off x="827584" y="4212717"/>
+            <a:ext cx="8251452" cy="201478"/>
+          </a:xfrm>
+          <a:prstGeom prst="rect">
+            <a:avLst/>
+          </a:prstGeom>
+          <a:noFill/>
+          <a:ln>
+            <a:noFill/>
+          </a:ln>
+          <a:extLst>
+            <a:ext uri="{909E8E84-426E-40DD-AFC4-6F175D3DCCD1}">
+              <a14:hiddenFill xmlns:a14="http://schemas.microsoft.com/office/drawing/2010/main">
+                <a:solidFill>
+                  <a:schemeClr val="accent1"/>
+                </a:solidFill>
+              </a14:hiddenFill>
+            </a:ext>
+            <a:ext uri="{91240B29-F687-4F45-9708-019B960494DF}">
+              <a14:hiddenLine xmlns:a14="http://schemas.microsoft.com/office/drawing/2010/main" w="9525">
+                <a:solidFill>
+                  <a:schemeClr val="tx1"/>
+                </a:solidFill>
+                <a:miter lim="800000"/>
+                <a:headEnd/>
+                <a:tailEnd/>
+              </a14:hiddenLine>
+            </a:ext>
+          </a:extLst>
+        </p:spPr>
+      </p:pic>
+      <p:sp>
+        <p:nvSpPr>
+          <p:cNvPr id="7" name="矩形 6"/>
+          <p:cNvSpPr/>
+          <p:nvPr/>
+        </p:nvSpPr>
+        <p:spPr>
+          <a:xfrm>
+            <a:off x="1763688" y="4158588"/>
+            <a:ext cx="504056" cy="255607"/>
+          </a:xfrm>
+          <a:prstGeom prst="rect">
+            <a:avLst/>
+          </a:prstGeom>
+          <a:noFill/>
+          <a:ln>
+            <a:solidFill>
+              <a:srgbClr val="FF0000"/>
+            </a:solidFill>
+          </a:ln>
+        </p:spPr>
+        <p:style>
+          <a:lnRef idx="2">
+            <a:schemeClr val="accent1">
+              <a:shade val="50000"/>
+            </a:schemeClr>
+          </a:lnRef>
+          <a:fillRef idx="1">
+            <a:schemeClr val="accent1"/>
+          </a:fillRef>
+          <a:effectRef idx="0">
+            <a:schemeClr val="accent1"/>
+          </a:effectRef>
+          <a:fontRef idx="minor">
+            <a:schemeClr val="lt1"/>
+          </a:fontRef>
+        </p:style>
+        <p:txBody>
+          <a:bodyPr rtlCol="0" anchor="ctr"/>
+          <a:lstStyle/>
+          <a:p>
+            <a:pPr algn="ctr"/>
+            <a:endParaRPr lang="zh-TW" altLang="en-US"/>
+          </a:p>
+        </p:txBody>
+      </p:sp>
+      <p:sp>
+        <p:nvSpPr>
+          <p:cNvPr id="8" name="矩形 7"/>
+          <p:cNvSpPr/>
+          <p:nvPr/>
+        </p:nvSpPr>
+        <p:spPr>
+          <a:xfrm>
+            <a:off x="2588188" y="4158587"/>
+            <a:ext cx="1191724" cy="255607"/>
+          </a:xfrm>
+          <a:prstGeom prst="rect">
+            <a:avLst/>
+          </a:prstGeom>
+          <a:noFill/>
+          <a:ln>
+            <a:solidFill>
+              <a:srgbClr val="FF0000"/>
+            </a:solidFill>
+          </a:ln>
+        </p:spPr>
+        <p:style>
+          <a:lnRef idx="2">
+            <a:schemeClr val="accent1">
+              <a:shade val="50000"/>
+            </a:schemeClr>
+          </a:lnRef>
+          <a:fillRef idx="1">
+            <a:schemeClr val="accent1"/>
+          </a:fillRef>
+          <a:effectRef idx="0">
+            <a:schemeClr val="accent1"/>
+          </a:effectRef>
+          <a:fontRef idx="minor">
+            <a:schemeClr val="lt1"/>
+          </a:fontRef>
+        </p:style>
+        <p:txBody>
+          <a:bodyPr rtlCol="0" anchor="ctr"/>
+          <a:lstStyle/>
+          <a:p>
+            <a:pPr algn="ctr"/>
+            <a:endParaRPr lang="zh-TW" altLang="en-US"/>
+          </a:p>
+        </p:txBody>
+      </p:sp>
+      <p:sp>
+        <p:nvSpPr>
+          <p:cNvPr id="9" name="矩形 8"/>
+          <p:cNvSpPr/>
+          <p:nvPr/>
+        </p:nvSpPr>
+        <p:spPr>
+          <a:xfrm>
+            <a:off x="3779912" y="4151847"/>
+            <a:ext cx="1944216" cy="255607"/>
+          </a:xfrm>
+          <a:prstGeom prst="rect">
+            <a:avLst/>
+          </a:prstGeom>
+          <a:noFill/>
+          <a:ln>
+            <a:solidFill>
+              <a:srgbClr val="FF0000"/>
+            </a:solidFill>
+          </a:ln>
+        </p:spPr>
+        <p:style>
+          <a:lnRef idx="2">
+            <a:schemeClr val="accent1">
+              <a:shade val="50000"/>
+            </a:schemeClr>
+          </a:lnRef>
+          <a:fillRef idx="1">
+            <a:schemeClr val="accent1"/>
+          </a:fillRef>
+          <a:effectRef idx="0">
+            <a:schemeClr val="accent1"/>
+          </a:effectRef>
+          <a:fontRef idx="minor">
+            <a:schemeClr val="lt1"/>
+          </a:fontRef>
+        </p:style>
+        <p:txBody>
+          <a:bodyPr rtlCol="0" anchor="ctr"/>
+          <a:lstStyle/>
+          <a:p>
+            <a:pPr algn="ctr"/>
+            <a:endParaRPr lang="zh-TW" altLang="en-US"/>
+          </a:p>
+        </p:txBody>
+      </p:sp>
+      <p:sp>
+        <p:nvSpPr>
+          <p:cNvPr id="10" name="矩形 9"/>
+          <p:cNvSpPr/>
+          <p:nvPr/>
+        </p:nvSpPr>
+        <p:spPr>
+          <a:xfrm>
+            <a:off x="3803696" y="4910966"/>
+            <a:ext cx="696295" cy="255607"/>
+          </a:xfrm>
+          <a:prstGeom prst="rect">
+            <a:avLst/>
+          </a:prstGeom>
+          <a:noFill/>
+          <a:ln>
+            <a:solidFill>
+              <a:srgbClr val="FF0000"/>
+            </a:solidFill>
+          </a:ln>
+        </p:spPr>
+        <p:style>
+          <a:lnRef idx="2">
+            <a:schemeClr val="accent1">
+              <a:shade val="50000"/>
+            </a:schemeClr>
+          </a:lnRef>
+          <a:fillRef idx="1">
+            <a:schemeClr val="accent1"/>
+          </a:fillRef>
+          <a:effectRef idx="0">
+            <a:schemeClr val="accent1"/>
+          </a:effectRef>
+          <a:fontRef idx="minor">
+            <a:schemeClr val="lt1"/>
+          </a:fontRef>
+        </p:style>
+        <p:txBody>
+          <a:bodyPr rtlCol="0" anchor="ctr"/>
+          <a:lstStyle/>
+          <a:p>
+            <a:pPr algn="ctr"/>
+            <a:endParaRPr lang="zh-TW" altLang="en-US"/>
+          </a:p>
+        </p:txBody>
+      </p:sp>
+      <p:sp>
+        <p:nvSpPr>
+          <p:cNvPr id="11" name="矩形 10"/>
+          <p:cNvSpPr/>
+          <p:nvPr/>
+        </p:nvSpPr>
+        <p:spPr>
+          <a:xfrm>
+            <a:off x="3575778" y="5177086"/>
+            <a:ext cx="1500277" cy="228555"/>
+          </a:xfrm>
+          <a:prstGeom prst="rect">
+            <a:avLst/>
+          </a:prstGeom>
+          <a:noFill/>
+          <a:ln>
+            <a:solidFill>
+              <a:srgbClr val="FF0000"/>
+            </a:solidFill>
+          </a:ln>
+        </p:spPr>
+        <p:style>
+          <a:lnRef idx="2">
+            <a:schemeClr val="accent1">
+              <a:shade val="50000"/>
+            </a:schemeClr>
+          </a:lnRef>
+          <a:fillRef idx="1">
+            <a:schemeClr val="accent1"/>
+          </a:fillRef>
+          <a:effectRef idx="0">
+            <a:schemeClr val="accent1"/>
+          </a:effectRef>
+          <a:fontRef idx="minor">
+            <a:schemeClr val="lt1"/>
+          </a:fontRef>
+        </p:style>
+        <p:txBody>
+          <a:bodyPr rtlCol="0" anchor="ctr"/>
+          <a:lstStyle/>
+          <a:p>
+            <a:pPr algn="ctr"/>
+            <a:endParaRPr lang="zh-TW" altLang="en-US"/>
+          </a:p>
+        </p:txBody>
+      </p:sp>
+      <p:sp>
+        <p:nvSpPr>
+          <p:cNvPr id="12" name="矩形 11"/>
+          <p:cNvSpPr/>
+          <p:nvPr/>
+        </p:nvSpPr>
+        <p:spPr>
+          <a:xfrm>
+            <a:off x="4317400" y="5405641"/>
+            <a:ext cx="2270824" cy="255607"/>
+          </a:xfrm>
+          <a:prstGeom prst="rect">
+            <a:avLst/>
+          </a:prstGeom>
+          <a:noFill/>
+          <a:ln>
+            <a:solidFill>
+              <a:srgbClr val="FF0000"/>
+            </a:solidFill>
+          </a:ln>
+        </p:spPr>
+        <p:style>
+          <a:lnRef idx="2">
+            <a:schemeClr val="accent1">
+              <a:shade val="50000"/>
+            </a:schemeClr>
+          </a:lnRef>
+          <a:fillRef idx="1">
+            <a:schemeClr val="accent1"/>
+          </a:fillRef>
+          <a:effectRef idx="0">
+            <a:schemeClr val="accent1"/>
+          </a:effectRef>
+          <a:fontRef idx="minor">
+            <a:schemeClr val="lt1"/>
+          </a:fontRef>
+        </p:style>
+        <p:txBody>
+          <a:bodyPr rtlCol="0" anchor="ctr"/>
+          <a:lstStyle/>
+          <a:p>
+            <a:pPr algn="ctr"/>
+            <a:endParaRPr lang="zh-TW" altLang="en-US"/>
+          </a:p>
+        </p:txBody>
+      </p:sp>
+      <p:cxnSp>
+        <p:nvCxnSpPr>
+          <p:cNvPr id="6" name="肘形接點 5"/>
+          <p:cNvCxnSpPr>
+            <a:stCxn id="7" idx="1"/>
+          </p:cNvCxnSpPr>
+          <p:nvPr/>
+        </p:nvCxnSpPr>
+        <p:spPr>
+          <a:xfrm rot="10800000" flipH="1" flipV="1">
+            <a:off x="1763688" y="4286391"/>
+            <a:ext cx="2016224" cy="752377"/>
+          </a:xfrm>
+          <a:prstGeom prst="bentConnector3">
+            <a:avLst>
+              <a:gd name="adj1" fmla="val -11338"/>
+            </a:avLst>
+          </a:prstGeom>
+          <a:ln w="38100">
+            <a:solidFill>
+              <a:srgbClr val="FF0000"/>
+            </a:solidFill>
+            <a:tailEnd type="arrow"/>
+          </a:ln>
+        </p:spPr>
+        <p:style>
+          <a:lnRef idx="1">
+            <a:schemeClr val="accent1"/>
+          </a:lnRef>
+          <a:fillRef idx="0">
+            <a:schemeClr val="accent1"/>
+          </a:fillRef>
+          <a:effectRef idx="0">
+            <a:schemeClr val="accent1"/>
+          </a:effectRef>
+          <a:fontRef idx="minor">
+            <a:schemeClr val="tx1"/>
+          </a:fontRef>
+        </p:style>
+      </p:cxnSp>
+      <p:cxnSp>
+        <p:nvCxnSpPr>
+          <p:cNvPr id="14" name="肘形接點 13"/>
+          <p:cNvCxnSpPr>
+            <a:stCxn id="8" idx="2"/>
+            <a:endCxn id="11" idx="3"/>
+          </p:cNvCxnSpPr>
+          <p:nvPr/>
+        </p:nvCxnSpPr>
+        <p:spPr>
+          <a:xfrm rot="16200000" flipH="1">
+            <a:off x="3691467" y="3906776"/>
+            <a:ext cx="877170" cy="1892005"/>
+          </a:xfrm>
+          <a:prstGeom prst="bentConnector4">
+            <a:avLst>
+              <a:gd name="adj1" fmla="val 43486"/>
+              <a:gd name="adj2" fmla="val 112082"/>
+            </a:avLst>
+          </a:prstGeom>
+          <a:ln w="38100">
+            <a:solidFill>
+              <a:srgbClr val="FF0000"/>
+            </a:solidFill>
+            <a:tailEnd type="arrow"/>
+          </a:ln>
+        </p:spPr>
+        <p:style>
+          <a:lnRef idx="1">
+            <a:schemeClr val="accent1"/>
+          </a:lnRef>
+          <a:fillRef idx="0">
+            <a:schemeClr val="accent1"/>
+          </a:fillRef>
+          <a:effectRef idx="0">
+            <a:schemeClr val="accent1"/>
+          </a:effectRef>
+          <a:fontRef idx="minor">
+            <a:schemeClr val="tx1"/>
+          </a:fontRef>
+        </p:style>
+      </p:cxnSp>
+      <p:cxnSp>
+        <p:nvCxnSpPr>
+          <p:cNvPr id="16" name="肘形接點 15"/>
+          <p:cNvCxnSpPr>
+            <a:stCxn id="9" idx="3"/>
+            <a:endCxn id="12" idx="3"/>
+          </p:cNvCxnSpPr>
+          <p:nvPr/>
+        </p:nvCxnSpPr>
+        <p:spPr>
+          <a:xfrm>
+            <a:off x="5724128" y="4279651"/>
+            <a:ext cx="864096" cy="1253794"/>
+          </a:xfrm>
+          <a:prstGeom prst="bentConnector3">
+            <a:avLst>
+              <a:gd name="adj1" fmla="val 126455"/>
+            </a:avLst>
+          </a:prstGeom>
+          <a:ln w="38100">
+            <a:solidFill>
+              <a:srgbClr val="FF0000"/>
+            </a:solidFill>
+            <a:tailEnd type="arrow"/>
+          </a:ln>
+        </p:spPr>
+        <p:style>
+          <a:lnRef idx="1">
+            <a:schemeClr val="accent1"/>
+          </a:lnRef>
+          <a:fillRef idx="0">
+            <a:schemeClr val="accent1"/>
+          </a:fillRef>
+          <a:effectRef idx="0">
+            <a:schemeClr val="accent1"/>
+          </a:effectRef>
+          <a:fontRef idx="minor">
+            <a:schemeClr val="tx1"/>
+          </a:fontRef>
+        </p:style>
+      </p:cxnSp>
+      <p:sp>
+        <p:nvSpPr>
+          <p:cNvPr id="18" name="文字方塊 17"/>
+          <p:cNvSpPr txBox="1"/>
+          <p:nvPr/>
+        </p:nvSpPr>
+        <p:spPr>
+          <a:xfrm>
+            <a:off x="1978429" y="5613047"/>
+            <a:ext cx="4107022" cy="1200329"/>
+          </a:xfrm>
+          <a:prstGeom prst="rect">
+            <a:avLst/>
+          </a:prstGeom>
+          <a:noFill/>
+        </p:spPr>
+        <p:txBody>
+          <a:bodyPr wrap="none" rtlCol="0">
+            <a:spAutoFit/>
+          </a:bodyPr>
+          <a:lstStyle/>
+          <a:p>
+            <a:r>
+              <a:rPr lang="zh-TW" altLang="en-US" b="1" dirty="0" smtClean="0">
+                <a:solidFill>
+                  <a:srgbClr val="FF0000"/>
+                </a:solidFill>
+              </a:rPr>
+              <a:t>因為</a:t>
+            </a:r>
+            <a:endParaRPr lang="en-US" altLang="zh-TW" b="1" dirty="0" smtClean="0">
+              <a:solidFill>
+                <a:srgbClr val="FF0000"/>
+              </a:solidFill>
+            </a:endParaRPr>
+          </a:p>
+          <a:p>
+            <a:r>
+              <a:rPr lang="en-US" altLang="zh-TW" b="1" dirty="0" smtClean="0">
+                <a:solidFill>
+                  <a:srgbClr val="FF0000"/>
+                </a:solidFill>
+              </a:rPr>
+              <a:t>1. action </a:t>
+            </a:r>
+            <a:r>
+              <a:rPr lang="en-US" altLang="zh-TW" b="1" dirty="0" err="1" smtClean="0">
+                <a:solidFill>
+                  <a:srgbClr val="FF0000"/>
+                </a:solidFill>
+              </a:rPr>
+              <a:t>有設</a:t>
+            </a:r>
+            <a:r>
+              <a:rPr lang="en-US" altLang="zh-TW" dirty="0">
+                <a:solidFill>
+                  <a:srgbClr val="FF0000"/>
+                </a:solidFill>
+              </a:rPr>
+              <a:t> </a:t>
+            </a:r>
+            <a:r>
+              <a:rPr lang="en-US" altLang="zh-TW" dirty="0" err="1">
+                <a:solidFill>
+                  <a:srgbClr val="FF0000"/>
+                </a:solidFill>
+              </a:rPr>
+              <a:t>android.intent.action.VIEW</a:t>
+            </a:r>
+            <a:endParaRPr lang="en-US" altLang="zh-TW" b="1" dirty="0" smtClean="0">
+              <a:solidFill>
+                <a:srgbClr val="FF0000"/>
+              </a:solidFill>
+            </a:endParaRPr>
+          </a:p>
+          <a:p>
+            <a:r>
+              <a:rPr lang="en-US" altLang="zh-TW" b="1" dirty="0">
+                <a:solidFill>
+                  <a:srgbClr val="FF0000"/>
+                </a:solidFill>
+              </a:rPr>
+              <a:t>2</a:t>
+            </a:r>
+            <a:r>
+              <a:rPr lang="en-US" altLang="zh-TW" b="1" dirty="0" smtClean="0">
+                <a:solidFill>
+                  <a:srgbClr val="FF0000"/>
+                </a:solidFill>
+              </a:rPr>
+              <a:t>. </a:t>
+            </a:r>
+            <a:r>
+              <a:rPr lang="en-US" altLang="zh-TW" b="1" dirty="0" err="1" smtClean="0">
+                <a:solidFill>
+                  <a:srgbClr val="FF0000"/>
+                </a:solidFill>
+              </a:rPr>
+              <a:t>schem為http</a:t>
+            </a:r>
+            <a:endParaRPr lang="en-US" altLang="zh-TW" b="1" dirty="0" smtClean="0">
+              <a:solidFill>
+                <a:srgbClr val="FF0000"/>
+              </a:solidFill>
+            </a:endParaRPr>
+          </a:p>
+          <a:p>
+            <a:r>
+              <a:rPr lang="en-US" altLang="zh-TW" b="1" dirty="0" err="1" smtClean="0">
+                <a:solidFill>
+                  <a:srgbClr val="FF0000"/>
+                </a:solidFill>
+              </a:rPr>
+              <a:t>所以app選單中會出現瀏覽器</a:t>
+            </a:r>
+            <a:endParaRPr lang="zh-TW" altLang="en-US" b="1" dirty="0">
+              <a:solidFill>
+                <a:srgbClr val="FF0000"/>
+              </a:solidFill>
+            </a:endParaRPr>
+          </a:p>
+        </p:txBody>
+      </p:sp>
+      <p:pic>
+        <p:nvPicPr>
+          <p:cNvPr id="21" name="Picture 2"/>
+          <p:cNvPicPr>
+            <a:picLocks noChangeAspect="1" noChangeArrowheads="1"/>
+          </p:cNvPicPr>
+          <p:nvPr/>
+        </p:nvPicPr>
+        <p:blipFill>
+          <a:blip r:embed="rId5" cstate="print">
+            <a:extLst>
+              <a:ext uri="{28A0092B-C50C-407E-A947-70E740481C1C}">
+                <a14:useLocalDpi xmlns:a14="http://schemas.microsoft.com/office/drawing/2010/main" val="0"/>
+              </a:ext>
+            </a:extLst>
+          </a:blip>
+          <a:srcRect/>
+          <a:stretch>
+            <a:fillRect/>
+          </a:stretch>
+        </p:blipFill>
+        <p:spPr bwMode="auto">
+          <a:xfrm>
+            <a:off x="7333436" y="4490218"/>
+            <a:ext cx="1533912" cy="2367782"/>
+          </a:xfrm>
+          <a:prstGeom prst="rect">
+            <a:avLst/>
+          </a:prstGeom>
+          <a:noFill/>
+          <a:ln>
+            <a:noFill/>
+          </a:ln>
+          <a:extLst>
+            <a:ext uri="{909E8E84-426E-40DD-AFC4-6F175D3DCCD1}">
+              <a14:hiddenFill xmlns:a14="http://schemas.microsoft.com/office/drawing/2010/main">
+                <a:solidFill>
+                  <a:schemeClr val="accent1"/>
+                </a:solidFill>
+              </a14:hiddenFill>
+            </a:ext>
+            <a:ext uri="{91240B29-F687-4F45-9708-019B960494DF}">
+              <a14:hiddenLine xmlns:a14="http://schemas.microsoft.com/office/drawing/2010/main" w="9525">
+                <a:solidFill>
+                  <a:schemeClr val="tx1"/>
+                </a:solidFill>
+                <a:miter lim="800000"/>
+                <a:headEnd/>
+                <a:tailEnd/>
+              </a14:hiddenLine>
+            </a:ext>
+          </a:extLst>
+        </p:spPr>
+      </p:pic>
+    </p:spTree>
+    <p:extLst>
+      <p:ext uri="{BB962C8B-B14F-4D97-AF65-F5344CB8AC3E}">
+        <p14:creationId xmlns:p14="http://schemas.microsoft.com/office/powerpoint/2010/main" val="2441155447"/>
+      </p:ext>
+    </p:extLst>
+  </p:cSld>
+  <p:clrMapOvr>
+    <a:masterClrMapping/>
+  </p:clrMapOvr>
+</p:sld>
+</file>
+
+<file path=ppt/slides/slide19.xml><?xml version="1.0" encoding="utf-8"?>
+<p:sld xmlns:a="http://schemas.openxmlformats.org/drawingml/2006/main" xmlns:r="http://schemas.openxmlformats.org/officeDocument/2006/relationships" xmlns:p="http://schemas.openxmlformats.org/presentationml/2006/main">
+  <p:cSld>
+    <p:spTree>
+      <p:nvGrpSpPr>
+        <p:cNvPr id="1" name=""/>
+        <p:cNvGrpSpPr/>
+        <p:nvPr/>
+      </p:nvGrpSpPr>
+      <p:grpSpPr>
+        <a:xfrm>
+          <a:off x="0" y="0"/>
+          <a:ext cx="0" cy="0"/>
+          <a:chOff x="0" y="0"/>
+          <a:chExt cx="0" cy="0"/>
+        </a:xfrm>
+      </p:grpSpPr>
+      <p:sp>
+        <p:nvSpPr>
+          <p:cNvPr id="2" name="標題 1"/>
+          <p:cNvSpPr>
+            <a:spLocks noGrp="1"/>
+          </p:cNvSpPr>
+          <p:nvPr>
+            <p:ph type="title"/>
+          </p:nvPr>
+        </p:nvSpPr>
+        <p:spPr/>
+        <p:txBody>
+          <a:bodyPr/>
+          <a:lstStyle/>
+          <a:p>
+            <a:r>
+              <a:rPr lang="zh-TW" altLang="en-US" dirty="0"/>
+              <a:t>隱式 </a:t>
+            </a:r>
+            <a:r>
+              <a:rPr lang="en-US" altLang="zh-TW" dirty="0"/>
+              <a:t>Intent (</a:t>
+            </a:r>
+            <a:r>
+              <a:rPr lang="en-US" altLang="zh-TW" dirty="0" smtClean="0"/>
+              <a:t>15/1</a:t>
+            </a:r>
+            <a:r>
+              <a:rPr lang="en-US" altLang="zh-TW" dirty="0"/>
+              <a:t>6</a:t>
+            </a:r>
+            <a:r>
+              <a:rPr lang="en-US" altLang="zh-TW" dirty="0" smtClean="0"/>
+              <a:t>)</a:t>
+            </a:r>
+            <a:endParaRPr lang="zh-TW" altLang="en-US" dirty="0"/>
+          </a:p>
+        </p:txBody>
+      </p:sp>
+      <p:sp>
+        <p:nvSpPr>
+          <p:cNvPr id="3" name="內容版面配置區 2"/>
+          <p:cNvSpPr>
+            <a:spLocks noGrp="1"/>
+          </p:cNvSpPr>
+          <p:nvPr>
+            <p:ph idx="1"/>
+          </p:nvPr>
+        </p:nvSpPr>
+        <p:spPr/>
+        <p:txBody>
+          <a:bodyPr/>
+          <a:lstStyle/>
+          <a:p>
+            <a:r>
+              <a:rPr lang="en-US" altLang="zh-TW" dirty="0">
+                <a:latin typeface="+mn-ea"/>
+              </a:rPr>
+              <a:t>Intent Filter 範例4 </a:t>
+            </a:r>
+            <a:r>
+              <a:rPr lang="en-US" altLang="zh-TW" dirty="0" smtClean="0">
+                <a:latin typeface="+mn-ea"/>
+              </a:rPr>
+              <a:t>(4/4)</a:t>
+            </a:r>
+            <a:endParaRPr lang="en-US" altLang="zh-TW" dirty="0">
+              <a:latin typeface="+mn-ea"/>
+            </a:endParaRPr>
+          </a:p>
+          <a:p>
+            <a:pPr lvl="1"/>
+            <a:r>
+              <a:rPr lang="zh-TW" altLang="en-US" dirty="0" smtClean="0"/>
+              <a:t>在進入元件後如何取得</a:t>
+            </a:r>
+            <a:r>
+              <a:rPr lang="en-US" altLang="zh-TW" dirty="0" err="1" smtClean="0"/>
+              <a:t>URI完整資料</a:t>
+            </a:r>
+            <a:r>
+              <a:rPr lang="en-US" altLang="zh-TW" dirty="0" smtClean="0"/>
+              <a:t>。</a:t>
+            </a:r>
+          </a:p>
+          <a:p>
+            <a:pPr marL="457200" lvl="1" indent="0">
+              <a:buNone/>
+            </a:pPr>
+            <a:r>
+              <a:rPr lang="en-US" altLang="zh-TW" dirty="0" smtClean="0"/>
+              <a:t>Ex: </a:t>
+            </a:r>
+            <a:r>
+              <a:rPr lang="en-US" altLang="zh-TW" dirty="0" err="1" smtClean="0"/>
+              <a:t>點擊</a:t>
+            </a:r>
+            <a:r>
+              <a:rPr lang="en-US" altLang="zh-TW" dirty="0" smtClean="0"/>
+              <a:t> </a:t>
+            </a:r>
+            <a:endParaRPr lang="zh-TW" altLang="en-US" dirty="0"/>
+          </a:p>
+        </p:txBody>
+      </p:sp>
+      <p:pic>
+        <p:nvPicPr>
+          <p:cNvPr id="1026" name="Picture 2"/>
+          <p:cNvPicPr>
+            <a:picLocks noChangeAspect="1" noChangeArrowheads="1"/>
+          </p:cNvPicPr>
+          <p:nvPr/>
+        </p:nvPicPr>
+        <p:blipFill>
+          <a:blip r:embed="rId2">
+            <a:extLst>
+              <a:ext uri="{28A0092B-C50C-407E-A947-70E740481C1C}">
+                <a14:useLocalDpi xmlns:a14="http://schemas.microsoft.com/office/drawing/2010/main" val="0"/>
+              </a:ext>
+            </a:extLst>
+          </a:blip>
+          <a:srcRect/>
+          <a:stretch>
+            <a:fillRect/>
+          </a:stretch>
+        </p:blipFill>
+        <p:spPr bwMode="auto">
+          <a:xfrm>
+            <a:off x="179512" y="3335886"/>
+            <a:ext cx="8605464" cy="168603"/>
+          </a:xfrm>
+          <a:prstGeom prst="rect">
+            <a:avLst/>
+          </a:prstGeom>
+          <a:noFill/>
+          <a:ln>
+            <a:noFill/>
+          </a:ln>
+          <a:extLst>
+            <a:ext uri="{909E8E84-426E-40DD-AFC4-6F175D3DCCD1}">
+              <a14:hiddenFill xmlns:a14="http://schemas.microsoft.com/office/drawing/2010/main">
+                <a:solidFill>
+                  <a:schemeClr val="accent1"/>
+                </a:solidFill>
+              </a14:hiddenFill>
+            </a:ext>
+            <a:ext uri="{91240B29-F687-4F45-9708-019B960494DF}">
+              <a14:hiddenLine xmlns:a14="http://schemas.microsoft.com/office/drawing/2010/main" w="9525">
+                <a:solidFill>
+                  <a:schemeClr val="tx1"/>
+                </a:solidFill>
+                <a:miter lim="800000"/>
+                <a:headEnd/>
+                <a:tailEnd/>
+              </a14:hiddenLine>
+            </a:ext>
+          </a:extLst>
+        </p:spPr>
+      </p:pic>
+      <p:pic>
+        <p:nvPicPr>
+          <p:cNvPr id="1027" name="Picture 3"/>
+          <p:cNvPicPr>
+            <a:picLocks noChangeAspect="1" noChangeArrowheads="1"/>
+          </p:cNvPicPr>
+          <p:nvPr/>
+        </p:nvPicPr>
+        <p:blipFill>
+          <a:blip r:embed="rId3">
+            <a:extLst>
+              <a:ext uri="{28A0092B-C50C-407E-A947-70E740481C1C}">
+                <a14:useLocalDpi xmlns:a14="http://schemas.microsoft.com/office/drawing/2010/main" val="0"/>
+              </a:ext>
+            </a:extLst>
+          </a:blip>
+          <a:srcRect/>
+          <a:stretch>
+            <a:fillRect/>
+          </a:stretch>
+        </p:blipFill>
+        <p:spPr bwMode="auto">
+          <a:xfrm>
+            <a:off x="153181" y="4077072"/>
+            <a:ext cx="8823808" cy="1368151"/>
+          </a:xfrm>
+          <a:prstGeom prst="rect">
+            <a:avLst/>
+          </a:prstGeom>
+          <a:noFill/>
+          <a:ln>
+            <a:noFill/>
+          </a:ln>
+          <a:extLst>
+            <a:ext uri="{909E8E84-426E-40DD-AFC4-6F175D3DCCD1}">
+              <a14:hiddenFill xmlns:a14="http://schemas.microsoft.com/office/drawing/2010/main">
+                <a:solidFill>
+                  <a:schemeClr val="accent1"/>
+                </a:solidFill>
+              </a14:hiddenFill>
+            </a:ext>
+            <a:ext uri="{91240B29-F687-4F45-9708-019B960494DF}">
+              <a14:hiddenLine xmlns:a14="http://schemas.microsoft.com/office/drawing/2010/main" w="9525">
+                <a:solidFill>
+                  <a:schemeClr val="tx1"/>
+                </a:solidFill>
+                <a:miter lim="800000"/>
+                <a:headEnd/>
+                <a:tailEnd/>
+              </a14:hiddenLine>
+            </a:ext>
+          </a:extLst>
+        </p:spPr>
+      </p:pic>
+      <p:sp>
+        <p:nvSpPr>
+          <p:cNvPr id="6" name="矩形 5"/>
+          <p:cNvSpPr/>
+          <p:nvPr/>
+        </p:nvSpPr>
+        <p:spPr>
+          <a:xfrm>
+            <a:off x="3347864" y="4633343"/>
+            <a:ext cx="1368152" cy="255607"/>
+          </a:xfrm>
+          <a:prstGeom prst="rect">
+            <a:avLst/>
+          </a:prstGeom>
+          <a:noFill/>
+          <a:ln>
+            <a:solidFill>
+              <a:srgbClr val="FF0000"/>
+            </a:solidFill>
+          </a:ln>
+        </p:spPr>
+        <p:style>
+          <a:lnRef idx="2">
+            <a:schemeClr val="accent1">
+              <a:shade val="50000"/>
+            </a:schemeClr>
+          </a:lnRef>
+          <a:fillRef idx="1">
+            <a:schemeClr val="accent1"/>
+          </a:fillRef>
+          <a:effectRef idx="0">
+            <a:schemeClr val="accent1"/>
+          </a:effectRef>
+          <a:fontRef idx="minor">
+            <a:schemeClr val="lt1"/>
+          </a:fontRef>
+        </p:style>
+        <p:txBody>
+          <a:bodyPr rtlCol="0" anchor="ctr"/>
+          <a:lstStyle/>
+          <a:p>
+            <a:pPr algn="ctr"/>
+            <a:endParaRPr lang="zh-TW" altLang="en-US"/>
+          </a:p>
+        </p:txBody>
+      </p:sp>
+      <p:sp>
+        <p:nvSpPr>
+          <p:cNvPr id="7" name="矩形 6"/>
+          <p:cNvSpPr/>
+          <p:nvPr/>
+        </p:nvSpPr>
+        <p:spPr>
+          <a:xfrm>
+            <a:off x="5220072" y="4775870"/>
+            <a:ext cx="3564904" cy="255607"/>
+          </a:xfrm>
+          <a:prstGeom prst="rect">
+            <a:avLst/>
+          </a:prstGeom>
+          <a:noFill/>
+          <a:ln>
+            <a:solidFill>
+              <a:srgbClr val="FF0000"/>
+            </a:solidFill>
+          </a:ln>
+        </p:spPr>
+        <p:style>
+          <a:lnRef idx="2">
+            <a:schemeClr val="accent1">
+              <a:shade val="50000"/>
+            </a:schemeClr>
+          </a:lnRef>
+          <a:fillRef idx="1">
+            <a:schemeClr val="accent1"/>
+          </a:fillRef>
+          <a:effectRef idx="0">
+            <a:schemeClr val="accent1"/>
+          </a:effectRef>
+          <a:fontRef idx="minor">
+            <a:schemeClr val="lt1"/>
+          </a:fontRef>
+        </p:style>
+        <p:txBody>
+          <a:bodyPr rtlCol="0" anchor="ctr"/>
+          <a:lstStyle/>
+          <a:p>
+            <a:pPr algn="ctr"/>
+            <a:endParaRPr lang="zh-TW" altLang="en-US"/>
+          </a:p>
+        </p:txBody>
+      </p:sp>
+      <p:sp>
+        <p:nvSpPr>
+          <p:cNvPr id="8" name="矩形 7"/>
+          <p:cNvSpPr/>
+          <p:nvPr/>
+        </p:nvSpPr>
+        <p:spPr>
+          <a:xfrm>
+            <a:off x="3527884" y="5031477"/>
+            <a:ext cx="2772308" cy="255607"/>
+          </a:xfrm>
+          <a:prstGeom prst="rect">
+            <a:avLst/>
+          </a:prstGeom>
+          <a:noFill/>
+          <a:ln>
+            <a:solidFill>
+              <a:srgbClr val="FF0000"/>
+            </a:solidFill>
+          </a:ln>
+        </p:spPr>
+        <p:style>
+          <a:lnRef idx="2">
+            <a:schemeClr val="accent1">
+              <a:shade val="50000"/>
+            </a:schemeClr>
+          </a:lnRef>
+          <a:fillRef idx="1">
+            <a:schemeClr val="accent1"/>
+          </a:fillRef>
+          <a:effectRef idx="0">
+            <a:schemeClr val="accent1"/>
+          </a:effectRef>
+          <a:fontRef idx="minor">
+            <a:schemeClr val="lt1"/>
+          </a:fontRef>
+        </p:style>
+        <p:txBody>
+          <a:bodyPr rtlCol="0" anchor="ctr"/>
+          <a:lstStyle/>
+          <a:p>
+            <a:pPr algn="ctr"/>
+            <a:endParaRPr lang="zh-TW" altLang="en-US"/>
+          </a:p>
+        </p:txBody>
+      </p:sp>
+      <p:sp>
+        <p:nvSpPr>
+          <p:cNvPr id="9" name="矩形 8"/>
+          <p:cNvSpPr/>
+          <p:nvPr/>
+        </p:nvSpPr>
+        <p:spPr>
+          <a:xfrm>
+            <a:off x="3923928" y="3292383"/>
+            <a:ext cx="1512168" cy="255607"/>
+          </a:xfrm>
+          <a:prstGeom prst="rect">
+            <a:avLst/>
+          </a:prstGeom>
+          <a:noFill/>
+          <a:ln>
+            <a:solidFill>
+              <a:srgbClr val="FF0000"/>
+            </a:solidFill>
+          </a:ln>
+        </p:spPr>
+        <p:style>
+          <a:lnRef idx="2">
+            <a:schemeClr val="accent1">
+              <a:shade val="50000"/>
+            </a:schemeClr>
+          </a:lnRef>
+          <a:fillRef idx="1">
+            <a:schemeClr val="accent1"/>
+          </a:fillRef>
+          <a:effectRef idx="0">
+            <a:schemeClr val="accent1"/>
+          </a:effectRef>
+          <a:fontRef idx="minor">
+            <a:schemeClr val="lt1"/>
+          </a:fontRef>
+        </p:style>
+        <p:txBody>
+          <a:bodyPr rtlCol="0" anchor="ctr"/>
+          <a:lstStyle/>
+          <a:p>
+            <a:pPr algn="ctr"/>
+            <a:endParaRPr lang="zh-TW" altLang="en-US"/>
+          </a:p>
+        </p:txBody>
+      </p:sp>
+      <p:sp>
+        <p:nvSpPr>
+          <p:cNvPr id="10" name="矩形 9"/>
+          <p:cNvSpPr/>
+          <p:nvPr/>
+        </p:nvSpPr>
+        <p:spPr>
+          <a:xfrm>
+            <a:off x="5508104" y="3292383"/>
+            <a:ext cx="864096" cy="255607"/>
+          </a:xfrm>
+          <a:prstGeom prst="rect">
+            <a:avLst/>
+          </a:prstGeom>
+          <a:noFill/>
+          <a:ln>
+            <a:solidFill>
+              <a:srgbClr val="FF0000"/>
+            </a:solidFill>
+          </a:ln>
+        </p:spPr>
+        <p:style>
+          <a:lnRef idx="2">
+            <a:schemeClr val="accent1">
+              <a:shade val="50000"/>
+            </a:schemeClr>
+          </a:lnRef>
+          <a:fillRef idx="1">
+            <a:schemeClr val="accent1"/>
+          </a:fillRef>
+          <a:effectRef idx="0">
+            <a:schemeClr val="accent1"/>
+          </a:effectRef>
+          <a:fontRef idx="minor">
+            <a:schemeClr val="lt1"/>
+          </a:fontRef>
+        </p:style>
+        <p:txBody>
+          <a:bodyPr rtlCol="0" anchor="ctr"/>
+          <a:lstStyle/>
+          <a:p>
+            <a:pPr algn="ctr"/>
+            <a:endParaRPr lang="zh-TW" altLang="en-US"/>
+          </a:p>
+        </p:txBody>
+      </p:sp>
+      <p:cxnSp>
+        <p:nvCxnSpPr>
+          <p:cNvPr id="5" name="肘形接點 4"/>
+          <p:cNvCxnSpPr>
+            <a:stCxn id="9" idx="1"/>
+            <a:endCxn id="7" idx="0"/>
+          </p:cNvCxnSpPr>
+          <p:nvPr/>
+        </p:nvCxnSpPr>
+        <p:spPr>
+          <a:xfrm rot="10800000" flipH="1" flipV="1">
+            <a:off x="3923928" y="3420186"/>
+            <a:ext cx="3078596" cy="1355683"/>
+          </a:xfrm>
+          <a:prstGeom prst="bentConnector4">
+            <a:avLst>
+              <a:gd name="adj1" fmla="val -7425"/>
+              <a:gd name="adj2" fmla="val 54714"/>
+            </a:avLst>
+          </a:prstGeom>
+          <a:ln w="38100">
+            <a:solidFill>
+              <a:srgbClr val="FF0000"/>
+            </a:solidFill>
+            <a:tailEnd type="arrow"/>
+          </a:ln>
+        </p:spPr>
+        <p:style>
+          <a:lnRef idx="1">
+            <a:schemeClr val="accent1"/>
+          </a:lnRef>
+          <a:fillRef idx="0">
+            <a:schemeClr val="accent1"/>
+          </a:fillRef>
+          <a:effectRef idx="0">
+            <a:schemeClr val="accent1"/>
+          </a:effectRef>
+          <a:fontRef idx="minor">
+            <a:schemeClr val="tx1"/>
+          </a:fontRef>
+        </p:style>
+      </p:cxnSp>
+      <p:cxnSp>
+        <p:nvCxnSpPr>
+          <p:cNvPr id="17" name="肘形接點 16"/>
+          <p:cNvCxnSpPr>
+            <a:stCxn id="10" idx="3"/>
+            <a:endCxn id="8" idx="3"/>
+          </p:cNvCxnSpPr>
+          <p:nvPr/>
+        </p:nvCxnSpPr>
+        <p:spPr>
+          <a:xfrm flipH="1">
+            <a:off x="6300192" y="3420187"/>
+            <a:ext cx="72008" cy="1739094"/>
+          </a:xfrm>
+          <a:prstGeom prst="bentConnector3">
+            <a:avLst>
+              <a:gd name="adj1" fmla="val -317465"/>
+            </a:avLst>
+          </a:prstGeom>
+          <a:ln w="38100">
+            <a:solidFill>
+              <a:srgbClr val="FF0000"/>
+            </a:solidFill>
+            <a:tailEnd type="arrow"/>
+          </a:ln>
+        </p:spPr>
+        <p:style>
+          <a:lnRef idx="1">
+            <a:schemeClr val="accent1"/>
+          </a:lnRef>
+          <a:fillRef idx="0">
+            <a:schemeClr val="accent1"/>
+          </a:fillRef>
+          <a:effectRef idx="0">
+            <a:schemeClr val="accent1"/>
+          </a:effectRef>
+          <a:fontRef idx="minor">
+            <a:schemeClr val="tx1"/>
+          </a:fontRef>
+        </p:style>
+      </p:cxnSp>
+      <p:sp>
+        <p:nvSpPr>
+          <p:cNvPr id="20" name="矩形圖說文字 19"/>
+          <p:cNvSpPr/>
+          <p:nvPr/>
+        </p:nvSpPr>
+        <p:spPr>
+          <a:xfrm>
+            <a:off x="1187624" y="5517232"/>
+            <a:ext cx="1584175" cy="370075"/>
+          </a:xfrm>
+          <a:prstGeom prst="wedgeRectCallout">
+            <a:avLst>
+              <a:gd name="adj1" fmla="val 85562"/>
+              <a:gd name="adj2" fmla="val -229584"/>
+            </a:avLst>
+          </a:prstGeom>
+          <a:solidFill>
+            <a:schemeClr val="bg1"/>
+          </a:solidFill>
+          <a:ln>
+            <a:solidFill>
+              <a:srgbClr val="FF0000"/>
+            </a:solidFill>
+          </a:ln>
+        </p:spPr>
+        <p:style>
+          <a:lnRef idx="2">
+            <a:schemeClr val="accent1">
+              <a:shade val="50000"/>
+            </a:schemeClr>
+          </a:lnRef>
+          <a:fillRef idx="1">
+            <a:schemeClr val="accent1"/>
+          </a:fillRef>
+          <a:effectRef idx="0">
+            <a:schemeClr val="accent1"/>
+          </a:effectRef>
+          <a:fontRef idx="minor">
+            <a:schemeClr val="lt1"/>
+          </a:fontRef>
+        </p:style>
+        <p:txBody>
+          <a:bodyPr rtlCol="0" anchor="ctr"/>
+          <a:lstStyle/>
+          <a:p>
+            <a:r>
+              <a:rPr lang="zh-TW" altLang="en-US" dirty="0" smtClean="0">
+                <a:solidFill>
+                  <a:srgbClr val="FF0000"/>
+                </a:solidFill>
+              </a:rPr>
+              <a:t>完整網址路徑</a:t>
+            </a:r>
+            <a:endParaRPr lang="zh-TW" altLang="en-US" dirty="0">
+              <a:solidFill>
+                <a:srgbClr val="FF0000"/>
+              </a:solidFill>
+            </a:endParaRPr>
+          </a:p>
+        </p:txBody>
+      </p:sp>
+    </p:spTree>
+    <p:extLst>
+      <p:ext uri="{BB962C8B-B14F-4D97-AF65-F5344CB8AC3E}">
+        <p14:creationId xmlns:p14="http://schemas.microsoft.com/office/powerpoint/2010/main" val="758541180"/>
+      </p:ext>
+    </p:extLst>
+  </p:cSld>
+  <p:clrMapOvr>
+    <a:masterClrMapping/>
+  </p:clrMapOvr>
+</p:sld>
+</file>
+
 <file path=ppt/slides/slide2.xml><?xml version="1.0" encoding="utf-8"?>
 <p:sld xmlns:a="http://schemas.openxmlformats.org/drawingml/2006/main" xmlns:r="http://schemas.openxmlformats.org/officeDocument/2006/relationships" xmlns:p="http://schemas.openxmlformats.org/presentationml/2006/main">
   <p:cSld>
@@ -5212,7 +9440,7 @@
         <p:spPr/>
         <p:txBody>
           <a:bodyPr>
-            <a:normAutofit/>
+            <a:normAutofit fontScale="92500" lnSpcReduction="10000"/>
           </a:bodyPr>
           <a:lstStyle/>
           <a:p>
@@ -5298,28 +9526,44 @@
           <a:p>
             <a:pPr lvl="1"/>
             <a:r>
-              <a:rPr lang="en-US" altLang="zh-TW" dirty="0" smtClean="0"/>
+              <a:rPr lang="en-US" altLang="zh-TW" dirty="0" smtClean="0">
+                <a:hlinkClick r:id="rId3"/>
+              </a:rPr>
               <a:t>https</a:t>
             </a:r>
             <a:r>
-              <a:rPr lang="en-US" altLang="zh-TW" dirty="0"/>
-              <a:t>://developers.google.com/app-indexing/android/app?hl=zh-tw</a:t>
+              <a:rPr lang="en-US" altLang="zh-TW" dirty="0">
+                <a:hlinkClick r:id="rId3"/>
+              </a:rPr>
+              <a:t>://</a:t>
+            </a:r>
+            <a:r>
+              <a:rPr lang="en-US" altLang="zh-TW" dirty="0" smtClean="0">
+                <a:hlinkClick r:id="rId3"/>
+              </a:rPr>
+              <a:t>developers.google.com/app-indexing/android/app?hl=zh-tw</a:t>
             </a:r>
             <a:endParaRPr lang="en-US" altLang="zh-TW" dirty="0" smtClean="0"/>
           </a:p>
           <a:p>
-            <a:pPr marL="0" lvl="2" indent="0">
-              <a:buNone/>
-            </a:pPr>
-            <a:r>
-              <a:rPr lang="en-US" altLang="zh-TW" dirty="0"/>
-              <a:t> </a:t>
-            </a:r>
-            <a:r>
-              <a:rPr lang="en-US" altLang="zh-TW" dirty="0" smtClean="0"/>
-              <a:t>   </a:t>
+            <a:pPr lvl="1"/>
+            <a:r>
+              <a:rPr lang="en-US" altLang="zh-TW" dirty="0">
+                <a:hlinkClick r:id="rId4"/>
+              </a:rPr>
+              <a:t>http://</a:t>
+            </a:r>
+            <a:r>
+              <a:rPr lang="en-US" altLang="zh-TW" dirty="0" smtClean="0">
+                <a:hlinkClick r:id="rId4"/>
+              </a:rPr>
+              <a:t>developer.android.com/intl/zh-tw/guide/components/intents-filters.html</a:t>
             </a:r>
             <a:endParaRPr lang="en-US" altLang="zh-TW" dirty="0"/>
+          </a:p>
+          <a:p>
+            <a:pPr lvl="1"/>
+            <a:endParaRPr lang="en-US" altLang="zh-TW" dirty="0" smtClean="0"/>
           </a:p>
         </p:txBody>
       </p:sp>
@@ -5327,6 +9571,510 @@
     <p:extLst>
       <p:ext uri="{BB962C8B-B14F-4D97-AF65-F5344CB8AC3E}">
         <p14:creationId xmlns:p14="http://schemas.microsoft.com/office/powerpoint/2010/main" val="994168035"/>
+      </p:ext>
+    </p:extLst>
+  </p:cSld>
+  <p:clrMapOvr>
+    <a:masterClrMapping/>
+  </p:clrMapOvr>
+</p:sld>
+</file>
+
+<file path=ppt/slides/slide20.xml><?xml version="1.0" encoding="utf-8"?>
+<p:sld xmlns:a="http://schemas.openxmlformats.org/drawingml/2006/main" xmlns:r="http://schemas.openxmlformats.org/officeDocument/2006/relationships" xmlns:p="http://schemas.openxmlformats.org/presentationml/2006/main">
+  <p:cSld>
+    <p:spTree>
+      <p:nvGrpSpPr>
+        <p:cNvPr id="1" name=""/>
+        <p:cNvGrpSpPr/>
+        <p:nvPr/>
+      </p:nvGrpSpPr>
+      <p:grpSpPr>
+        <a:xfrm>
+          <a:off x="0" y="0"/>
+          <a:ext cx="0" cy="0"/>
+          <a:chOff x="0" y="0"/>
+          <a:chExt cx="0" cy="0"/>
+        </a:xfrm>
+      </p:grpSpPr>
+      <p:sp>
+        <p:nvSpPr>
+          <p:cNvPr id="2" name="標題 1"/>
+          <p:cNvSpPr>
+            <a:spLocks noGrp="1"/>
+          </p:cNvSpPr>
+          <p:nvPr>
+            <p:ph type="title"/>
+          </p:nvPr>
+        </p:nvSpPr>
+        <p:spPr/>
+        <p:txBody>
+          <a:bodyPr/>
+          <a:lstStyle/>
+          <a:p>
+            <a:r>
+              <a:rPr lang="zh-TW" altLang="en-US" dirty="0"/>
+              <a:t>隱式 </a:t>
+            </a:r>
+            <a:r>
+              <a:rPr lang="en-US" altLang="zh-TW" dirty="0"/>
+              <a:t>Intent (</a:t>
+            </a:r>
+            <a:r>
+              <a:rPr lang="en-US" altLang="zh-TW" dirty="0" smtClean="0"/>
+              <a:t>16/16)</a:t>
+            </a:r>
+            <a:endParaRPr lang="zh-TW" altLang="en-US" dirty="0"/>
+          </a:p>
+        </p:txBody>
+      </p:sp>
+      <p:sp>
+        <p:nvSpPr>
+          <p:cNvPr id="3" name="內容版面配置區 2"/>
+          <p:cNvSpPr>
+            <a:spLocks noGrp="1"/>
+          </p:cNvSpPr>
+          <p:nvPr>
+            <p:ph idx="1"/>
+          </p:nvPr>
+        </p:nvSpPr>
+        <p:spPr/>
+        <p:txBody>
+          <a:bodyPr/>
+          <a:lstStyle/>
+          <a:p>
+            <a:r>
+              <a:rPr lang="en-US" altLang="zh-TW" dirty="0">
+                <a:latin typeface="+mn-ea"/>
+              </a:rPr>
+              <a:t>Intent Filter </a:t>
+            </a:r>
+            <a:r>
+              <a:rPr lang="en-US" altLang="zh-TW" dirty="0" smtClean="0">
+                <a:latin typeface="+mn-ea"/>
+              </a:rPr>
+              <a:t>範例5</a:t>
+            </a:r>
+          </a:p>
+          <a:p>
+            <a:pPr marL="0" indent="0">
+              <a:buNone/>
+            </a:pPr>
+            <a:r>
+              <a:rPr lang="en-US" altLang="zh-TW" sz="1600" b="1" dirty="0" smtClean="0">
+                <a:latin typeface="+mn-ea"/>
+              </a:rPr>
+              <a:t>   (</a:t>
+            </a:r>
+            <a:r>
+              <a:rPr lang="en-US" altLang="zh-TW" sz="1600" b="1" dirty="0" err="1">
+                <a:latin typeface="+mn-ea"/>
+              </a:rPr>
+              <a:t>參考</a:t>
+            </a:r>
+            <a:r>
+              <a:rPr lang="en-US" altLang="zh-TW" sz="1600" b="1" dirty="0">
+                <a:latin typeface="+mn-ea"/>
+              </a:rPr>
+              <a:t> </a:t>
+            </a:r>
+            <a:r>
+              <a:rPr lang="en-US" altLang="zh-TW" sz="1600" b="1" dirty="0" err="1" smtClean="0">
+                <a:latin typeface="+mn-ea"/>
+              </a:rPr>
+              <a:t>IntentFilterDemo</a:t>
+            </a:r>
+            <a:r>
+              <a:rPr lang="en-US" altLang="zh-TW" sz="1600" b="1" dirty="0" smtClean="0">
+                <a:latin typeface="+mn-ea"/>
+              </a:rPr>
+              <a:t>)</a:t>
+            </a:r>
+            <a:endParaRPr lang="en-US" altLang="zh-TW" sz="1600" dirty="0">
+              <a:latin typeface="+mn-ea"/>
+            </a:endParaRPr>
+          </a:p>
+          <a:p>
+            <a:endParaRPr lang="en-US" altLang="zh-TW" dirty="0" smtClean="0"/>
+          </a:p>
+          <a:p>
+            <a:endParaRPr lang="en-US" altLang="zh-TW" dirty="0"/>
+          </a:p>
+          <a:p>
+            <a:endParaRPr lang="en-US" altLang="zh-TW" dirty="0" smtClean="0"/>
+          </a:p>
+          <a:p>
+            <a:pPr lvl="1"/>
+            <a:r>
+              <a:rPr lang="zh-TW" altLang="en-US" dirty="0" smtClean="0"/>
+              <a:t>送</a:t>
+            </a:r>
+            <a:r>
+              <a:rPr lang="en-US" altLang="zh-TW" dirty="0" err="1" smtClean="0"/>
+              <a:t>Broadcase</a:t>
+            </a:r>
+            <a:r>
+              <a:rPr lang="en-US" altLang="zh-TW" dirty="0" smtClean="0"/>
+              <a:t> </a:t>
+            </a:r>
+            <a:r>
+              <a:rPr lang="en-US" altLang="zh-TW" dirty="0" err="1" smtClean="0"/>
+              <a:t>訊息</a:t>
+            </a:r>
+            <a:endParaRPr lang="zh-TW" altLang="en-US" dirty="0"/>
+          </a:p>
+        </p:txBody>
+      </p:sp>
+      <p:pic>
+        <p:nvPicPr>
+          <p:cNvPr id="2050" name="Picture 2"/>
+          <p:cNvPicPr>
+            <a:picLocks noChangeAspect="1" noChangeArrowheads="1"/>
+          </p:cNvPicPr>
+          <p:nvPr/>
+        </p:nvPicPr>
+        <p:blipFill>
+          <a:blip r:embed="rId2">
+            <a:extLst>
+              <a:ext uri="{28A0092B-C50C-407E-A947-70E740481C1C}">
+                <a14:useLocalDpi xmlns:a14="http://schemas.microsoft.com/office/drawing/2010/main" val="0"/>
+              </a:ext>
+            </a:extLst>
+          </a:blip>
+          <a:srcRect/>
+          <a:stretch>
+            <a:fillRect/>
+          </a:stretch>
+        </p:blipFill>
+        <p:spPr bwMode="auto">
+          <a:xfrm>
+            <a:off x="755576" y="2492897"/>
+            <a:ext cx="6768752" cy="1785798"/>
+          </a:xfrm>
+          <a:prstGeom prst="rect">
+            <a:avLst/>
+          </a:prstGeom>
+          <a:noFill/>
+          <a:ln>
+            <a:noFill/>
+          </a:ln>
+          <a:extLst>
+            <a:ext uri="{909E8E84-426E-40DD-AFC4-6F175D3DCCD1}">
+              <a14:hiddenFill xmlns:a14="http://schemas.microsoft.com/office/drawing/2010/main">
+                <a:solidFill>
+                  <a:schemeClr val="accent1"/>
+                </a:solidFill>
+              </a14:hiddenFill>
+            </a:ext>
+            <a:ext uri="{91240B29-F687-4F45-9708-019B960494DF}">
+              <a14:hiddenLine xmlns:a14="http://schemas.microsoft.com/office/drawing/2010/main" w="9525">
+                <a:solidFill>
+                  <a:schemeClr val="tx1"/>
+                </a:solidFill>
+                <a:miter lim="800000"/>
+                <a:headEnd/>
+                <a:tailEnd/>
+              </a14:hiddenLine>
+            </a:ext>
+          </a:extLst>
+        </p:spPr>
+      </p:pic>
+      <p:pic>
+        <p:nvPicPr>
+          <p:cNvPr id="2051" name="Picture 3"/>
+          <p:cNvPicPr>
+            <a:picLocks noChangeAspect="1" noChangeArrowheads="1"/>
+          </p:cNvPicPr>
+          <p:nvPr/>
+        </p:nvPicPr>
+        <p:blipFill>
+          <a:blip r:embed="rId3">
+            <a:extLst>
+              <a:ext uri="{28A0092B-C50C-407E-A947-70E740481C1C}">
+                <a14:useLocalDpi xmlns:a14="http://schemas.microsoft.com/office/drawing/2010/main" val="0"/>
+              </a:ext>
+            </a:extLst>
+          </a:blip>
+          <a:srcRect/>
+          <a:stretch>
+            <a:fillRect/>
+          </a:stretch>
+        </p:blipFill>
+        <p:spPr bwMode="auto">
+          <a:xfrm>
+            <a:off x="1331640" y="4730460"/>
+            <a:ext cx="6912768" cy="1722239"/>
+          </a:xfrm>
+          <a:prstGeom prst="rect">
+            <a:avLst/>
+          </a:prstGeom>
+          <a:noFill/>
+          <a:ln>
+            <a:noFill/>
+          </a:ln>
+          <a:extLst>
+            <a:ext uri="{909E8E84-426E-40DD-AFC4-6F175D3DCCD1}">
+              <a14:hiddenFill xmlns:a14="http://schemas.microsoft.com/office/drawing/2010/main">
+                <a:solidFill>
+                  <a:schemeClr val="accent1"/>
+                </a:solidFill>
+              </a14:hiddenFill>
+            </a:ext>
+            <a:ext uri="{91240B29-F687-4F45-9708-019B960494DF}">
+              <a14:hiddenLine xmlns:a14="http://schemas.microsoft.com/office/drawing/2010/main" w="9525">
+                <a:solidFill>
+                  <a:schemeClr val="tx1"/>
+                </a:solidFill>
+                <a:miter lim="800000"/>
+                <a:headEnd/>
+                <a:tailEnd/>
+              </a14:hiddenLine>
+            </a:ext>
+          </a:extLst>
+        </p:spPr>
+      </p:pic>
+      <p:sp>
+        <p:nvSpPr>
+          <p:cNvPr id="6" name="矩形 5"/>
+          <p:cNvSpPr/>
+          <p:nvPr/>
+        </p:nvSpPr>
+        <p:spPr>
+          <a:xfrm>
+            <a:off x="3275856" y="3292383"/>
+            <a:ext cx="3960440" cy="255607"/>
+          </a:xfrm>
+          <a:prstGeom prst="rect">
+            <a:avLst/>
+          </a:prstGeom>
+          <a:noFill/>
+          <a:ln>
+            <a:solidFill>
+              <a:srgbClr val="FF0000"/>
+            </a:solidFill>
+          </a:ln>
+        </p:spPr>
+        <p:style>
+          <a:lnRef idx="2">
+            <a:schemeClr val="accent1">
+              <a:shade val="50000"/>
+            </a:schemeClr>
+          </a:lnRef>
+          <a:fillRef idx="1">
+            <a:schemeClr val="accent1"/>
+          </a:fillRef>
+          <a:effectRef idx="0">
+            <a:schemeClr val="accent1"/>
+          </a:effectRef>
+          <a:fontRef idx="minor">
+            <a:schemeClr val="lt1"/>
+          </a:fontRef>
+        </p:style>
+        <p:txBody>
+          <a:bodyPr rtlCol="0" anchor="ctr"/>
+          <a:lstStyle/>
+          <a:p>
+            <a:pPr algn="ctr"/>
+            <a:endParaRPr lang="zh-TW" altLang="en-US"/>
+          </a:p>
+        </p:txBody>
+      </p:sp>
+      <p:sp>
+        <p:nvSpPr>
+          <p:cNvPr id="7" name="矩形 6"/>
+          <p:cNvSpPr/>
+          <p:nvPr/>
+        </p:nvSpPr>
+        <p:spPr>
+          <a:xfrm>
+            <a:off x="3707904" y="4924954"/>
+            <a:ext cx="4392488" cy="160229"/>
+          </a:xfrm>
+          <a:prstGeom prst="rect">
+            <a:avLst/>
+          </a:prstGeom>
+          <a:noFill/>
+          <a:ln>
+            <a:solidFill>
+              <a:srgbClr val="FF0000"/>
+            </a:solidFill>
+          </a:ln>
+        </p:spPr>
+        <p:style>
+          <a:lnRef idx="2">
+            <a:schemeClr val="accent1">
+              <a:shade val="50000"/>
+            </a:schemeClr>
+          </a:lnRef>
+          <a:fillRef idx="1">
+            <a:schemeClr val="accent1"/>
+          </a:fillRef>
+          <a:effectRef idx="0">
+            <a:schemeClr val="accent1"/>
+          </a:effectRef>
+          <a:fontRef idx="minor">
+            <a:schemeClr val="lt1"/>
+          </a:fontRef>
+        </p:style>
+        <p:txBody>
+          <a:bodyPr rtlCol="0" anchor="ctr"/>
+          <a:lstStyle/>
+          <a:p>
+            <a:pPr algn="ctr"/>
+            <a:endParaRPr lang="zh-TW" altLang="en-US"/>
+          </a:p>
+        </p:txBody>
+      </p:sp>
+      <p:sp>
+        <p:nvSpPr>
+          <p:cNvPr id="8" name="矩形 7"/>
+          <p:cNvSpPr/>
+          <p:nvPr/>
+        </p:nvSpPr>
+        <p:spPr>
+          <a:xfrm>
+            <a:off x="4644008" y="2636912"/>
+            <a:ext cx="1152128" cy="255607"/>
+          </a:xfrm>
+          <a:prstGeom prst="rect">
+            <a:avLst/>
+          </a:prstGeom>
+          <a:noFill/>
+          <a:ln>
+            <a:solidFill>
+              <a:srgbClr val="FF0000"/>
+            </a:solidFill>
+          </a:ln>
+        </p:spPr>
+        <p:style>
+          <a:lnRef idx="2">
+            <a:schemeClr val="accent1">
+              <a:shade val="50000"/>
+            </a:schemeClr>
+          </a:lnRef>
+          <a:fillRef idx="1">
+            <a:schemeClr val="accent1"/>
+          </a:fillRef>
+          <a:effectRef idx="0">
+            <a:schemeClr val="accent1"/>
+          </a:effectRef>
+          <a:fontRef idx="minor">
+            <a:schemeClr val="lt1"/>
+          </a:fontRef>
+        </p:style>
+        <p:txBody>
+          <a:bodyPr rtlCol="0" anchor="ctr"/>
+          <a:lstStyle/>
+          <a:p>
+            <a:pPr algn="ctr"/>
+            <a:endParaRPr lang="zh-TW" altLang="en-US"/>
+          </a:p>
+        </p:txBody>
+      </p:sp>
+      <p:cxnSp>
+        <p:nvCxnSpPr>
+          <p:cNvPr id="5" name="直線單箭頭接點 4"/>
+          <p:cNvCxnSpPr>
+            <a:stCxn id="6" idx="2"/>
+          </p:cNvCxnSpPr>
+          <p:nvPr/>
+        </p:nvCxnSpPr>
+        <p:spPr>
+          <a:xfrm>
+            <a:off x="5256076" y="3547990"/>
+            <a:ext cx="648072" cy="1376964"/>
+          </a:xfrm>
+          <a:prstGeom prst="straightConnector1">
+            <a:avLst/>
+          </a:prstGeom>
+          <a:ln w="38100">
+            <a:solidFill>
+              <a:srgbClr val="FF0000"/>
+            </a:solidFill>
+            <a:tailEnd type="arrow"/>
+          </a:ln>
+        </p:spPr>
+        <p:style>
+          <a:lnRef idx="1">
+            <a:schemeClr val="accent1"/>
+          </a:lnRef>
+          <a:fillRef idx="0">
+            <a:schemeClr val="accent1"/>
+          </a:fillRef>
+          <a:effectRef idx="0">
+            <a:schemeClr val="accent1"/>
+          </a:effectRef>
+          <a:fontRef idx="minor">
+            <a:schemeClr val="tx1"/>
+          </a:fontRef>
+        </p:style>
+      </p:cxnSp>
+      <p:sp>
+        <p:nvSpPr>
+          <p:cNvPr id="11" name="矩形圖說文字 10"/>
+          <p:cNvSpPr/>
+          <p:nvPr/>
+        </p:nvSpPr>
+        <p:spPr>
+          <a:xfrm>
+            <a:off x="6228184" y="2132856"/>
+            <a:ext cx="2664296" cy="936104"/>
+          </a:xfrm>
+          <a:prstGeom prst="wedgeRectCallout">
+            <a:avLst>
+              <a:gd name="adj1" fmla="val -66011"/>
+              <a:gd name="adj2" fmla="val 19977"/>
+            </a:avLst>
+          </a:prstGeom>
+          <a:solidFill>
+            <a:schemeClr val="bg1"/>
+          </a:solidFill>
+          <a:ln>
+            <a:solidFill>
+              <a:srgbClr val="FF0000"/>
+            </a:solidFill>
+          </a:ln>
+        </p:spPr>
+        <p:style>
+          <a:lnRef idx="2">
+            <a:schemeClr val="accent1">
+              <a:shade val="50000"/>
+            </a:schemeClr>
+          </a:lnRef>
+          <a:fillRef idx="1">
+            <a:schemeClr val="accent1"/>
+          </a:fillRef>
+          <a:effectRef idx="0">
+            <a:schemeClr val="accent1"/>
+          </a:effectRef>
+          <a:fontRef idx="minor">
+            <a:schemeClr val="lt1"/>
+          </a:fontRef>
+        </p:style>
+        <p:txBody>
+          <a:bodyPr rtlCol="0" anchor="ctr"/>
+          <a:lstStyle/>
+          <a:p>
+            <a:r>
+              <a:rPr lang="en-US" altLang="zh-TW" dirty="0" smtClean="0">
+                <a:solidFill>
+                  <a:srgbClr val="FF0000"/>
+                </a:solidFill>
+              </a:rPr>
+              <a:t>Action設定，由ReceiverDemo1這個Receiver接收。</a:t>
+            </a:r>
+            <a:endParaRPr lang="zh-TW" altLang="en-US" dirty="0">
+              <a:solidFill>
+                <a:srgbClr val="FF0000"/>
+              </a:solidFill>
+            </a:endParaRPr>
+          </a:p>
+        </p:txBody>
+      </p:sp>
+    </p:spTree>
+    <p:extLst>
+      <p:ext uri="{BB962C8B-B14F-4D97-AF65-F5344CB8AC3E}">
+        <p14:creationId xmlns:p14="http://schemas.microsoft.com/office/powerpoint/2010/main" val="1460130030"/>
       </p:ext>
     </p:extLst>
   </p:cSld>
@@ -5925,7 +10673,11 @@
             </a:r>
             <a:r>
               <a:rPr lang="en-US" altLang="zh-TW" dirty="0" smtClean="0"/>
-              <a:t>Intent</a:t>
+              <a:t>Intent (</a:t>
+            </a:r>
+            <a:r>
+              <a:rPr lang="en-US" altLang="zh-TW" dirty="0" smtClean="0"/>
+              <a:t>1/16)</a:t>
             </a:r>
             <a:endParaRPr lang="zh-TW" altLang="en-US" dirty="0"/>
           </a:p>
@@ -5982,7 +10734,15 @@
             </a:r>
             <a:r>
               <a:rPr lang="en-US" altLang="zh-TW" dirty="0"/>
-              <a:t>Intent</a:t>
+              <a:t>Intent </a:t>
+            </a:r>
+            <a:r>
+              <a:rPr lang="en-US" altLang="zh-TW" dirty="0" smtClean="0"/>
+              <a:t>(</a:t>
+            </a:r>
+            <a:r>
+              <a:rPr lang="en-US" altLang="zh-TW" dirty="0"/>
+              <a:t>2/16)</a:t>
             </a:r>
             <a:endParaRPr lang="zh-TW" altLang="en-US" dirty="0"/>
           </a:p>
@@ -6194,7 +10954,15 @@
             </a:r>
             <a:r>
               <a:rPr lang="en-US" altLang="zh-TW" dirty="0"/>
-              <a:t>Intent</a:t>
+              <a:t>Intent </a:t>
+            </a:r>
+            <a:r>
+              <a:rPr lang="en-US" altLang="zh-TW" dirty="0" smtClean="0"/>
+              <a:t>(</a:t>
+            </a:r>
+            <a:r>
+              <a:rPr lang="en-US" altLang="zh-TW" dirty="0"/>
+              <a:t>3/16)</a:t>
             </a:r>
             <a:endParaRPr lang="zh-TW" altLang="en-US" dirty="0"/>
           </a:p>
@@ -6406,7 +11174,15 @@
             </a:r>
             <a:r>
               <a:rPr lang="en-US" altLang="zh-TW" dirty="0"/>
-              <a:t>Intent</a:t>
+              <a:t>Intent </a:t>
+            </a:r>
+            <a:r>
+              <a:rPr lang="en-US" altLang="zh-TW" dirty="0" smtClean="0"/>
+              <a:t>(</a:t>
+            </a:r>
+            <a:r>
+              <a:rPr lang="en-US" altLang="zh-TW" dirty="0"/>
+              <a:t>4/16)</a:t>
             </a:r>
             <a:endParaRPr lang="zh-TW" altLang="en-US" dirty="0"/>
           </a:p>
@@ -6966,7 +11742,15 @@
             </a:r>
             <a:r>
               <a:rPr lang="en-US" altLang="zh-TW" dirty="0"/>
-              <a:t>Intent</a:t>
+              <a:t>Intent </a:t>
+            </a:r>
+            <a:r>
+              <a:rPr lang="en-US" altLang="zh-TW" dirty="0" smtClean="0"/>
+              <a:t>(</a:t>
+            </a:r>
+            <a:r>
+              <a:rPr lang="en-US" altLang="zh-TW" dirty="0"/>
+              <a:t>5/16)</a:t>
             </a:r>
             <a:endParaRPr lang="zh-TW" altLang="en-US" dirty="0"/>
           </a:p>

--- a/CustomerUIDemo/Intent and Intent Filter instruction.pptx
+++ b/CustomerUIDemo/Intent and Intent Filter instruction.pptx
@@ -211,7 +211,7 @@
           <a:p>
             <a:fld id="{2D96362F-5062-4BAB-BE52-9DA3B8F016EF}" type="datetimeFigureOut">
               <a:rPr lang="zh-TW" altLang="en-US" smtClean="0"/>
-              <a:t>2015/11/12</a:t>
+              <a:t>2015/11/16</a:t>
             </a:fld>
             <a:endParaRPr lang="zh-TW" altLang="en-US"/>
           </a:p>
@@ -832,7 +832,7 @@
           <a:p>
             <a:fld id="{D27FAD71-AEBA-446B-9A9D-AD18527CBBFB}" type="datetimeFigureOut">
               <a:rPr lang="zh-TW" altLang="en-US" smtClean="0"/>
-              <a:t>2015/11/12</a:t>
+              <a:t>2015/11/16</a:t>
             </a:fld>
             <a:endParaRPr lang="zh-TW" altLang="en-US"/>
           </a:p>
@@ -1002,7 +1002,7 @@
           <a:p>
             <a:fld id="{D27FAD71-AEBA-446B-9A9D-AD18527CBBFB}" type="datetimeFigureOut">
               <a:rPr lang="zh-TW" altLang="en-US" smtClean="0"/>
-              <a:t>2015/11/12</a:t>
+              <a:t>2015/11/16</a:t>
             </a:fld>
             <a:endParaRPr lang="zh-TW" altLang="en-US"/>
           </a:p>
@@ -1182,7 +1182,7 @@
           <a:p>
             <a:fld id="{D27FAD71-AEBA-446B-9A9D-AD18527CBBFB}" type="datetimeFigureOut">
               <a:rPr lang="zh-TW" altLang="en-US" smtClean="0"/>
-              <a:t>2015/11/12</a:t>
+              <a:t>2015/11/16</a:t>
             </a:fld>
             <a:endParaRPr lang="zh-TW" altLang="en-US"/>
           </a:p>
@@ -1352,7 +1352,7 @@
           <a:p>
             <a:fld id="{D27FAD71-AEBA-446B-9A9D-AD18527CBBFB}" type="datetimeFigureOut">
               <a:rPr lang="zh-TW" altLang="en-US" smtClean="0"/>
-              <a:t>2015/11/12</a:t>
+              <a:t>2015/11/16</a:t>
             </a:fld>
             <a:endParaRPr lang="zh-TW" altLang="en-US"/>
           </a:p>
@@ -1598,7 +1598,7 @@
           <a:p>
             <a:fld id="{D27FAD71-AEBA-446B-9A9D-AD18527CBBFB}" type="datetimeFigureOut">
               <a:rPr lang="zh-TW" altLang="en-US" smtClean="0"/>
-              <a:t>2015/11/12</a:t>
+              <a:t>2015/11/16</a:t>
             </a:fld>
             <a:endParaRPr lang="zh-TW" altLang="en-US"/>
           </a:p>
@@ -1886,7 +1886,7 @@
           <a:p>
             <a:fld id="{D27FAD71-AEBA-446B-9A9D-AD18527CBBFB}" type="datetimeFigureOut">
               <a:rPr lang="zh-TW" altLang="en-US" smtClean="0"/>
-              <a:t>2015/11/12</a:t>
+              <a:t>2015/11/16</a:t>
             </a:fld>
             <a:endParaRPr lang="zh-TW" altLang="en-US"/>
           </a:p>
@@ -2308,7 +2308,7 @@
           <a:p>
             <a:fld id="{D27FAD71-AEBA-446B-9A9D-AD18527CBBFB}" type="datetimeFigureOut">
               <a:rPr lang="zh-TW" altLang="en-US" smtClean="0"/>
-              <a:t>2015/11/12</a:t>
+              <a:t>2015/11/16</a:t>
             </a:fld>
             <a:endParaRPr lang="zh-TW" altLang="en-US"/>
           </a:p>
@@ -2426,7 +2426,7 @@
           <a:p>
             <a:fld id="{D27FAD71-AEBA-446B-9A9D-AD18527CBBFB}" type="datetimeFigureOut">
               <a:rPr lang="zh-TW" altLang="en-US" smtClean="0"/>
-              <a:t>2015/11/12</a:t>
+              <a:t>2015/11/16</a:t>
             </a:fld>
             <a:endParaRPr lang="zh-TW" altLang="en-US"/>
           </a:p>
@@ -2521,7 +2521,7 @@
           <a:p>
             <a:fld id="{D27FAD71-AEBA-446B-9A9D-AD18527CBBFB}" type="datetimeFigureOut">
               <a:rPr lang="zh-TW" altLang="en-US" smtClean="0"/>
-              <a:t>2015/11/12</a:t>
+              <a:t>2015/11/16</a:t>
             </a:fld>
             <a:endParaRPr lang="zh-TW" altLang="en-US"/>
           </a:p>
@@ -2798,7 +2798,7 @@
           <a:p>
             <a:fld id="{D27FAD71-AEBA-446B-9A9D-AD18527CBBFB}" type="datetimeFigureOut">
               <a:rPr lang="zh-TW" altLang="en-US" smtClean="0"/>
-              <a:t>2015/11/12</a:t>
+              <a:t>2015/11/16</a:t>
             </a:fld>
             <a:endParaRPr lang="zh-TW" altLang="en-US"/>
           </a:p>
@@ -3051,7 +3051,7 @@
           <a:p>
             <a:fld id="{D27FAD71-AEBA-446B-9A9D-AD18527CBBFB}" type="datetimeFigureOut">
               <a:rPr lang="zh-TW" altLang="en-US" smtClean="0"/>
-              <a:t>2015/11/12</a:t>
+              <a:t>2015/11/16</a:t>
             </a:fld>
             <a:endParaRPr lang="zh-TW" altLang="en-US"/>
           </a:p>
@@ -3264,7 +3264,7 @@
           <a:p>
             <a:fld id="{D27FAD71-AEBA-446B-9A9D-AD18527CBBFB}" type="datetimeFigureOut">
               <a:rPr lang="zh-TW" altLang="en-US" smtClean="0"/>
-              <a:t>2015/11/12</a:t>
+              <a:t>2015/11/16</a:t>
             </a:fld>
             <a:endParaRPr lang="zh-TW" altLang="en-US"/>
           </a:p>
@@ -3677,7 +3677,15 @@
           <a:bodyPr/>
           <a:lstStyle/>
           <a:p>
-            <a:endParaRPr lang="zh-TW" altLang="en-US"/>
+            <a:r>
+              <a:rPr lang="en-US" altLang="zh-TW" dirty="0" smtClean="0"/>
+              <a:t>Author: </a:t>
+            </a:r>
+            <a:r>
+              <a:rPr lang="en-US" altLang="zh-TW" dirty="0" smtClean="0"/>
+              <a:t>Sonny Shih</a:t>
+            </a:r>
+            <a:endParaRPr lang="zh-TW" altLang="en-US" dirty="0"/>
           </a:p>
         </p:txBody>
       </p:sp>
@@ -7458,13 +7466,7 @@
               <a:rPr lang="en-US" altLang="zh-TW" dirty="0" smtClean="0">
                 <a:latin typeface="+mn-ea"/>
               </a:rPr>
-              <a:t>(</a:t>
-            </a:r>
-            <a:r>
-              <a:rPr lang="en-US" altLang="zh-TW" dirty="0" smtClean="0">
-                <a:latin typeface="+mn-ea"/>
-              </a:rPr>
-              <a:t>2/4)</a:t>
+              <a:t>(2/4)</a:t>
             </a:r>
             <a:endParaRPr lang="en-US" altLang="zh-TW" dirty="0" smtClean="0">
               <a:solidFill>
@@ -7923,13 +7925,7 @@
               <a:rPr lang="en-US" altLang="zh-TW" dirty="0" smtClean="0">
                 <a:latin typeface="+mn-ea"/>
               </a:rPr>
-              <a:t>(</a:t>
-            </a:r>
-            <a:r>
-              <a:rPr lang="en-US" altLang="zh-TW" dirty="0" smtClean="0">
-                <a:latin typeface="+mn-ea"/>
-              </a:rPr>
-              <a:t>3/4)</a:t>
+              <a:t>(3/4)</a:t>
             </a:r>
             <a:endParaRPr lang="en-US" altLang="zh-TW" dirty="0">
               <a:latin typeface="+mn-ea"/>
@@ -10673,11 +10669,7 @@
             </a:r>
             <a:r>
               <a:rPr lang="en-US" altLang="zh-TW" dirty="0" smtClean="0"/>
-              <a:t>Intent (</a:t>
-            </a:r>
-            <a:r>
-              <a:rPr lang="en-US" altLang="zh-TW" dirty="0" smtClean="0"/>
-              <a:t>1/16)</a:t>
+              <a:t>Intent (1/16)</a:t>
             </a:r>
             <a:endParaRPr lang="zh-TW" altLang="en-US" dirty="0"/>
           </a:p>
